--- a/180523_happyou/180523_wed4_group4.pptx
+++ b/180523_happyou/180523_wed4_group4.pptx
@@ -12,6 +12,8 @@
     <p:sldId id="259" r:id="rId6"/>
     <p:sldId id="263" r:id="rId7"/>
     <p:sldId id="260" r:id="rId8"/>
+    <p:sldId id="265" r:id="rId9"/>
+    <p:sldId id="266" r:id="rId10"/>
   </p:sldIdLst>
   <p:sldSz cx="9144000" cy="6858000" type="screen4x3"/>
   <p:notesSz cx="6858000" cy="9144000"/>
@@ -160,7 +162,7 @@
           </a:lstStyle>
           <a:p>
             <a:r>
-              <a:rPr lang="ja-JP" altLang="en-US" smtClean="0"/>
+              <a:rPr lang="ja-JP" altLang="en-US"/>
               <a:t>マスター タイトルの書式設定</a:t>
             </a:r>
             <a:endParaRPr lang="en-US" dirty="0"/>
@@ -225,7 +227,7 @@
           </a:lstStyle>
           <a:p>
             <a:r>
-              <a:rPr lang="ja-JP" altLang="en-US" smtClean="0"/>
+              <a:rPr lang="ja-JP" altLang="en-US"/>
               <a:t>マスター サブタイトルの書式設定</a:t>
             </a:r>
             <a:endParaRPr lang="en-US" dirty="0"/>
@@ -249,7 +251,7 @@
           <a:p>
             <a:fld id="{EA757145-8A31-704C-AF1D-6BE20B8570FD}" type="datetimeFigureOut">
               <a:rPr kumimoji="1" lang="ja-JP" altLang="en-US" smtClean="0"/>
-              <a:t>2018/5/23</a:t>
+              <a:t>2018/6/12</a:t>
             </a:fld>
             <a:endParaRPr kumimoji="1" lang="ja-JP" altLang="en-US"/>
           </a:p>
@@ -343,7 +345,7 @@
           <a:lstStyle/>
           <a:p>
             <a:r>
-              <a:rPr lang="ja-JP" altLang="en-US" smtClean="0"/>
+              <a:rPr lang="ja-JP" altLang="en-US"/>
               <a:t>マスター タイトルの書式設定</a:t>
             </a:r>
             <a:endParaRPr lang="en-US" dirty="0"/>
@@ -367,67 +369,67 @@
           <a:p>
             <a:pPr lvl="0"/>
             <a:r>
-              <a:rPr lang="ja-JP" altLang="en-US" smtClean="0"/>
+              <a:rPr lang="ja-JP" altLang="en-US"/>
               <a:t>マスター テキストの書式設定</a:t>
             </a:r>
           </a:p>
           <a:p>
             <a:pPr lvl="1"/>
             <a:r>
-              <a:rPr lang="ja-JP" altLang="en-US" smtClean="0"/>
+              <a:rPr lang="ja-JP" altLang="en-US"/>
               <a:t>第 </a:t>
             </a:r>
             <a:r>
-              <a:rPr lang="en-US" altLang="ja-JP" smtClean="0"/>
+              <a:rPr lang="en-US" altLang="ja-JP"/>
               <a:t>2 </a:t>
             </a:r>
             <a:r>
-              <a:rPr lang="ja-JP" altLang="en-US" smtClean="0"/>
+              <a:rPr lang="ja-JP" altLang="en-US"/>
               <a:t>レベル</a:t>
             </a:r>
           </a:p>
           <a:p>
             <a:pPr lvl="2"/>
             <a:r>
-              <a:rPr lang="ja-JP" altLang="en-US" smtClean="0"/>
+              <a:rPr lang="ja-JP" altLang="en-US"/>
               <a:t>第 </a:t>
             </a:r>
             <a:r>
-              <a:rPr lang="en-US" altLang="ja-JP" smtClean="0"/>
+              <a:rPr lang="en-US" altLang="ja-JP"/>
               <a:t>3 </a:t>
             </a:r>
             <a:r>
-              <a:rPr lang="ja-JP" altLang="en-US" smtClean="0"/>
+              <a:rPr lang="ja-JP" altLang="en-US"/>
               <a:t>レベル</a:t>
             </a:r>
           </a:p>
           <a:p>
             <a:pPr lvl="3"/>
             <a:r>
-              <a:rPr lang="ja-JP" altLang="en-US" smtClean="0"/>
+              <a:rPr lang="ja-JP" altLang="en-US"/>
               <a:t>第 </a:t>
             </a:r>
             <a:r>
-              <a:rPr lang="en-US" altLang="ja-JP" smtClean="0"/>
+              <a:rPr lang="en-US" altLang="ja-JP"/>
               <a:t>4 </a:t>
             </a:r>
             <a:r>
-              <a:rPr lang="ja-JP" altLang="en-US" smtClean="0"/>
+              <a:rPr lang="ja-JP" altLang="en-US"/>
               <a:t>レベル</a:t>
             </a:r>
           </a:p>
           <a:p>
             <a:pPr lvl="4"/>
             <a:r>
-              <a:rPr lang="ja-JP" altLang="en-US" smtClean="0"/>
+              <a:rPr lang="ja-JP" altLang="en-US"/>
               <a:t>第 </a:t>
             </a:r>
             <a:r>
-              <a:rPr lang="en-US" altLang="ja-JP" smtClean="0"/>
+              <a:rPr lang="en-US" altLang="ja-JP"/>
               <a:t>5 </a:t>
             </a:r>
             <a:r>
-              <a:rPr lang="ja-JP" altLang="en-US" smtClean="0"/>
+              <a:rPr lang="ja-JP" altLang="en-US"/>
               <a:t>レベル</a:t>
             </a:r>
             <a:endParaRPr lang="en-US" dirty="0"/>
@@ -451,7 +453,7 @@
           <a:p>
             <a:fld id="{EA757145-8A31-704C-AF1D-6BE20B8570FD}" type="datetimeFigureOut">
               <a:rPr kumimoji="1" lang="ja-JP" altLang="en-US" smtClean="0"/>
-              <a:t>2018/5/23</a:t>
+              <a:t>2018/6/12</a:t>
             </a:fld>
             <a:endParaRPr kumimoji="1" lang="ja-JP" altLang="en-US"/>
           </a:p>
@@ -550,7 +552,7 @@
           <a:lstStyle/>
           <a:p>
             <a:r>
-              <a:rPr lang="ja-JP" altLang="en-US" smtClean="0"/>
+              <a:rPr lang="ja-JP" altLang="en-US"/>
               <a:t>マスター タイトルの書式設定</a:t>
             </a:r>
             <a:endParaRPr lang="en-US" dirty="0"/>
@@ -579,67 +581,67 @@
           <a:p>
             <a:pPr lvl="0"/>
             <a:r>
-              <a:rPr lang="ja-JP" altLang="en-US" smtClean="0"/>
+              <a:rPr lang="ja-JP" altLang="en-US"/>
               <a:t>マスター テキストの書式設定</a:t>
             </a:r>
           </a:p>
           <a:p>
             <a:pPr lvl="1"/>
             <a:r>
-              <a:rPr lang="ja-JP" altLang="en-US" smtClean="0"/>
+              <a:rPr lang="ja-JP" altLang="en-US"/>
               <a:t>第 </a:t>
             </a:r>
             <a:r>
-              <a:rPr lang="en-US" altLang="ja-JP" smtClean="0"/>
+              <a:rPr lang="en-US" altLang="ja-JP"/>
               <a:t>2 </a:t>
             </a:r>
             <a:r>
-              <a:rPr lang="ja-JP" altLang="en-US" smtClean="0"/>
+              <a:rPr lang="ja-JP" altLang="en-US"/>
               <a:t>レベル</a:t>
             </a:r>
           </a:p>
           <a:p>
             <a:pPr lvl="2"/>
             <a:r>
-              <a:rPr lang="ja-JP" altLang="en-US" smtClean="0"/>
+              <a:rPr lang="ja-JP" altLang="en-US"/>
               <a:t>第 </a:t>
             </a:r>
             <a:r>
-              <a:rPr lang="en-US" altLang="ja-JP" smtClean="0"/>
+              <a:rPr lang="en-US" altLang="ja-JP"/>
               <a:t>3 </a:t>
             </a:r>
             <a:r>
-              <a:rPr lang="ja-JP" altLang="en-US" smtClean="0"/>
+              <a:rPr lang="ja-JP" altLang="en-US"/>
               <a:t>レベル</a:t>
             </a:r>
           </a:p>
           <a:p>
             <a:pPr lvl="3"/>
             <a:r>
-              <a:rPr lang="ja-JP" altLang="en-US" smtClean="0"/>
+              <a:rPr lang="ja-JP" altLang="en-US"/>
               <a:t>第 </a:t>
             </a:r>
             <a:r>
-              <a:rPr lang="en-US" altLang="ja-JP" smtClean="0"/>
+              <a:rPr lang="en-US" altLang="ja-JP"/>
               <a:t>4 </a:t>
             </a:r>
             <a:r>
-              <a:rPr lang="ja-JP" altLang="en-US" smtClean="0"/>
+              <a:rPr lang="ja-JP" altLang="en-US"/>
               <a:t>レベル</a:t>
             </a:r>
           </a:p>
           <a:p>
             <a:pPr lvl="4"/>
             <a:r>
-              <a:rPr lang="ja-JP" altLang="en-US" smtClean="0"/>
+              <a:rPr lang="ja-JP" altLang="en-US"/>
               <a:t>第 </a:t>
             </a:r>
             <a:r>
-              <a:rPr lang="en-US" altLang="ja-JP" smtClean="0"/>
+              <a:rPr lang="en-US" altLang="ja-JP"/>
               <a:t>5 </a:t>
             </a:r>
             <a:r>
-              <a:rPr lang="ja-JP" altLang="en-US" smtClean="0"/>
+              <a:rPr lang="ja-JP" altLang="en-US"/>
               <a:t>レベル</a:t>
             </a:r>
             <a:endParaRPr lang="en-US" dirty="0"/>
@@ -663,7 +665,7 @@
           <a:p>
             <a:fld id="{EA757145-8A31-704C-AF1D-6BE20B8570FD}" type="datetimeFigureOut">
               <a:rPr kumimoji="1" lang="ja-JP" altLang="en-US" smtClean="0"/>
-              <a:t>2018/5/23</a:t>
+              <a:t>2018/6/12</a:t>
             </a:fld>
             <a:endParaRPr kumimoji="1" lang="ja-JP" altLang="en-US"/>
           </a:p>
@@ -757,7 +759,7 @@
           <a:lstStyle/>
           <a:p>
             <a:r>
-              <a:rPr lang="ja-JP" altLang="en-US" smtClean="0"/>
+              <a:rPr lang="ja-JP" altLang="en-US"/>
               <a:t>マスター タイトルの書式設定</a:t>
             </a:r>
             <a:endParaRPr lang="en-US" dirty="0"/>
@@ -781,67 +783,67 @@
           <a:p>
             <a:pPr lvl="0"/>
             <a:r>
-              <a:rPr lang="ja-JP" altLang="en-US" smtClean="0"/>
+              <a:rPr lang="ja-JP" altLang="en-US"/>
               <a:t>マスター テキストの書式設定</a:t>
             </a:r>
           </a:p>
           <a:p>
             <a:pPr lvl="1"/>
             <a:r>
-              <a:rPr lang="ja-JP" altLang="en-US" smtClean="0"/>
+              <a:rPr lang="ja-JP" altLang="en-US"/>
               <a:t>第 </a:t>
             </a:r>
             <a:r>
-              <a:rPr lang="en-US" altLang="ja-JP" smtClean="0"/>
+              <a:rPr lang="en-US" altLang="ja-JP"/>
               <a:t>2 </a:t>
             </a:r>
             <a:r>
-              <a:rPr lang="ja-JP" altLang="en-US" smtClean="0"/>
+              <a:rPr lang="ja-JP" altLang="en-US"/>
               <a:t>レベル</a:t>
             </a:r>
           </a:p>
           <a:p>
             <a:pPr lvl="2"/>
             <a:r>
-              <a:rPr lang="ja-JP" altLang="en-US" smtClean="0"/>
+              <a:rPr lang="ja-JP" altLang="en-US"/>
               <a:t>第 </a:t>
             </a:r>
             <a:r>
-              <a:rPr lang="en-US" altLang="ja-JP" smtClean="0"/>
+              <a:rPr lang="en-US" altLang="ja-JP"/>
               <a:t>3 </a:t>
             </a:r>
             <a:r>
-              <a:rPr lang="ja-JP" altLang="en-US" smtClean="0"/>
+              <a:rPr lang="ja-JP" altLang="en-US"/>
               <a:t>レベル</a:t>
             </a:r>
           </a:p>
           <a:p>
             <a:pPr lvl="3"/>
             <a:r>
-              <a:rPr lang="ja-JP" altLang="en-US" smtClean="0"/>
+              <a:rPr lang="ja-JP" altLang="en-US"/>
               <a:t>第 </a:t>
             </a:r>
             <a:r>
-              <a:rPr lang="en-US" altLang="ja-JP" smtClean="0"/>
+              <a:rPr lang="en-US" altLang="ja-JP"/>
               <a:t>4 </a:t>
             </a:r>
             <a:r>
-              <a:rPr lang="ja-JP" altLang="en-US" smtClean="0"/>
+              <a:rPr lang="ja-JP" altLang="en-US"/>
               <a:t>レベル</a:t>
             </a:r>
           </a:p>
           <a:p>
             <a:pPr lvl="4"/>
             <a:r>
-              <a:rPr lang="ja-JP" altLang="en-US" smtClean="0"/>
+              <a:rPr lang="ja-JP" altLang="en-US"/>
               <a:t>第 </a:t>
             </a:r>
             <a:r>
-              <a:rPr lang="en-US" altLang="ja-JP" smtClean="0"/>
+              <a:rPr lang="en-US" altLang="ja-JP"/>
               <a:t>5 </a:t>
             </a:r>
             <a:r>
-              <a:rPr lang="ja-JP" altLang="en-US" smtClean="0"/>
+              <a:rPr lang="ja-JP" altLang="en-US"/>
               <a:t>レベル</a:t>
             </a:r>
             <a:endParaRPr lang="en-US" dirty="0"/>
@@ -865,7 +867,7 @@
           <a:p>
             <a:fld id="{EA757145-8A31-704C-AF1D-6BE20B8570FD}" type="datetimeFigureOut">
               <a:rPr kumimoji="1" lang="ja-JP" altLang="en-US" smtClean="0"/>
-              <a:t>2018/5/23</a:t>
+              <a:t>2018/6/12</a:t>
             </a:fld>
             <a:endParaRPr kumimoji="1" lang="ja-JP" altLang="en-US"/>
           </a:p>
@@ -968,7 +970,7 @@
           </a:lstStyle>
           <a:p>
             <a:r>
-              <a:rPr lang="ja-JP" altLang="en-US" smtClean="0"/>
+              <a:rPr lang="ja-JP" altLang="en-US"/>
               <a:t>マスター タイトルの書式設定</a:t>
             </a:r>
             <a:endParaRPr lang="en-US" dirty="0"/>
@@ -1086,7 +1088,7 @@
           <a:p>
             <a:pPr lvl="0"/>
             <a:r>
-              <a:rPr lang="ja-JP" altLang="en-US" smtClean="0"/>
+              <a:rPr lang="ja-JP" altLang="en-US"/>
               <a:t>マスター テキストの書式設定</a:t>
             </a:r>
           </a:p>
@@ -1109,7 +1111,7 @@
           <a:p>
             <a:fld id="{EA757145-8A31-704C-AF1D-6BE20B8570FD}" type="datetimeFigureOut">
               <a:rPr kumimoji="1" lang="ja-JP" altLang="en-US" smtClean="0"/>
-              <a:t>2018/5/23</a:t>
+              <a:t>2018/6/12</a:t>
             </a:fld>
             <a:endParaRPr kumimoji="1" lang="ja-JP" altLang="en-US"/>
           </a:p>
@@ -1203,7 +1205,7 @@
           <a:lstStyle/>
           <a:p>
             <a:r>
-              <a:rPr lang="ja-JP" altLang="en-US" smtClean="0"/>
+              <a:rPr lang="ja-JP" altLang="en-US"/>
               <a:t>マスター タイトルの書式設定</a:t>
             </a:r>
             <a:endParaRPr lang="en-US" dirty="0"/>
@@ -1232,67 +1234,67 @@
           <a:p>
             <a:pPr lvl="0"/>
             <a:r>
-              <a:rPr lang="ja-JP" altLang="en-US" smtClean="0"/>
+              <a:rPr lang="ja-JP" altLang="en-US"/>
               <a:t>マスター テキストの書式設定</a:t>
             </a:r>
           </a:p>
           <a:p>
             <a:pPr lvl="1"/>
             <a:r>
-              <a:rPr lang="ja-JP" altLang="en-US" smtClean="0"/>
+              <a:rPr lang="ja-JP" altLang="en-US"/>
               <a:t>第 </a:t>
             </a:r>
             <a:r>
-              <a:rPr lang="en-US" altLang="ja-JP" smtClean="0"/>
+              <a:rPr lang="en-US" altLang="ja-JP"/>
               <a:t>2 </a:t>
             </a:r>
             <a:r>
-              <a:rPr lang="ja-JP" altLang="en-US" smtClean="0"/>
+              <a:rPr lang="ja-JP" altLang="en-US"/>
               <a:t>レベル</a:t>
             </a:r>
           </a:p>
           <a:p>
             <a:pPr lvl="2"/>
             <a:r>
-              <a:rPr lang="ja-JP" altLang="en-US" smtClean="0"/>
+              <a:rPr lang="ja-JP" altLang="en-US"/>
               <a:t>第 </a:t>
             </a:r>
             <a:r>
-              <a:rPr lang="en-US" altLang="ja-JP" smtClean="0"/>
+              <a:rPr lang="en-US" altLang="ja-JP"/>
               <a:t>3 </a:t>
             </a:r>
             <a:r>
-              <a:rPr lang="ja-JP" altLang="en-US" smtClean="0"/>
+              <a:rPr lang="ja-JP" altLang="en-US"/>
               <a:t>レベル</a:t>
             </a:r>
           </a:p>
           <a:p>
             <a:pPr lvl="3"/>
             <a:r>
-              <a:rPr lang="ja-JP" altLang="en-US" smtClean="0"/>
+              <a:rPr lang="ja-JP" altLang="en-US"/>
               <a:t>第 </a:t>
             </a:r>
             <a:r>
-              <a:rPr lang="en-US" altLang="ja-JP" smtClean="0"/>
+              <a:rPr lang="en-US" altLang="ja-JP"/>
               <a:t>4 </a:t>
             </a:r>
             <a:r>
-              <a:rPr lang="ja-JP" altLang="en-US" smtClean="0"/>
+              <a:rPr lang="ja-JP" altLang="en-US"/>
               <a:t>レベル</a:t>
             </a:r>
           </a:p>
           <a:p>
             <a:pPr lvl="4"/>
             <a:r>
-              <a:rPr lang="ja-JP" altLang="en-US" smtClean="0"/>
+              <a:rPr lang="ja-JP" altLang="en-US"/>
               <a:t>第 </a:t>
             </a:r>
             <a:r>
-              <a:rPr lang="en-US" altLang="ja-JP" smtClean="0"/>
+              <a:rPr lang="en-US" altLang="ja-JP"/>
               <a:t>5 </a:t>
             </a:r>
             <a:r>
-              <a:rPr lang="ja-JP" altLang="en-US" smtClean="0"/>
+              <a:rPr lang="ja-JP" altLang="en-US"/>
               <a:t>レベル</a:t>
             </a:r>
             <a:endParaRPr lang="en-US" dirty="0"/>
@@ -1321,67 +1323,67 @@
           <a:p>
             <a:pPr lvl="0"/>
             <a:r>
-              <a:rPr lang="ja-JP" altLang="en-US" smtClean="0"/>
+              <a:rPr lang="ja-JP" altLang="en-US"/>
               <a:t>マスター テキストの書式設定</a:t>
             </a:r>
           </a:p>
           <a:p>
             <a:pPr lvl="1"/>
             <a:r>
-              <a:rPr lang="ja-JP" altLang="en-US" smtClean="0"/>
+              <a:rPr lang="ja-JP" altLang="en-US"/>
               <a:t>第 </a:t>
             </a:r>
             <a:r>
-              <a:rPr lang="en-US" altLang="ja-JP" smtClean="0"/>
+              <a:rPr lang="en-US" altLang="ja-JP"/>
               <a:t>2 </a:t>
             </a:r>
             <a:r>
-              <a:rPr lang="ja-JP" altLang="en-US" smtClean="0"/>
+              <a:rPr lang="ja-JP" altLang="en-US"/>
               <a:t>レベル</a:t>
             </a:r>
           </a:p>
           <a:p>
             <a:pPr lvl="2"/>
             <a:r>
-              <a:rPr lang="ja-JP" altLang="en-US" smtClean="0"/>
+              <a:rPr lang="ja-JP" altLang="en-US"/>
               <a:t>第 </a:t>
             </a:r>
             <a:r>
-              <a:rPr lang="en-US" altLang="ja-JP" smtClean="0"/>
+              <a:rPr lang="en-US" altLang="ja-JP"/>
               <a:t>3 </a:t>
             </a:r>
             <a:r>
-              <a:rPr lang="ja-JP" altLang="en-US" smtClean="0"/>
+              <a:rPr lang="ja-JP" altLang="en-US"/>
               <a:t>レベル</a:t>
             </a:r>
           </a:p>
           <a:p>
             <a:pPr lvl="3"/>
             <a:r>
-              <a:rPr lang="ja-JP" altLang="en-US" smtClean="0"/>
+              <a:rPr lang="ja-JP" altLang="en-US"/>
               <a:t>第 </a:t>
             </a:r>
             <a:r>
-              <a:rPr lang="en-US" altLang="ja-JP" smtClean="0"/>
+              <a:rPr lang="en-US" altLang="ja-JP"/>
               <a:t>4 </a:t>
             </a:r>
             <a:r>
-              <a:rPr lang="ja-JP" altLang="en-US" smtClean="0"/>
+              <a:rPr lang="ja-JP" altLang="en-US"/>
               <a:t>レベル</a:t>
             </a:r>
           </a:p>
           <a:p>
             <a:pPr lvl="4"/>
             <a:r>
-              <a:rPr lang="ja-JP" altLang="en-US" smtClean="0"/>
+              <a:rPr lang="ja-JP" altLang="en-US"/>
               <a:t>第 </a:t>
             </a:r>
             <a:r>
-              <a:rPr lang="en-US" altLang="ja-JP" smtClean="0"/>
+              <a:rPr lang="en-US" altLang="ja-JP"/>
               <a:t>5 </a:t>
             </a:r>
             <a:r>
-              <a:rPr lang="ja-JP" altLang="en-US" smtClean="0"/>
+              <a:rPr lang="ja-JP" altLang="en-US"/>
               <a:t>レベル</a:t>
             </a:r>
             <a:endParaRPr lang="en-US" dirty="0"/>
@@ -1405,7 +1407,7 @@
           <a:p>
             <a:fld id="{EA757145-8A31-704C-AF1D-6BE20B8570FD}" type="datetimeFigureOut">
               <a:rPr kumimoji="1" lang="ja-JP" altLang="en-US" smtClean="0"/>
-              <a:t>2018/5/23</a:t>
+              <a:t>2018/6/12</a:t>
             </a:fld>
             <a:endParaRPr kumimoji="1" lang="ja-JP" altLang="en-US"/>
           </a:p>
@@ -1504,7 +1506,7 @@
           <a:lstStyle/>
           <a:p>
             <a:r>
-              <a:rPr lang="ja-JP" altLang="en-US" smtClean="0"/>
+              <a:rPr lang="ja-JP" altLang="en-US"/>
               <a:t>マスター タイトルの書式設定</a:t>
             </a:r>
             <a:endParaRPr lang="en-US" dirty="0"/>
@@ -1570,7 +1572,7 @@
           <a:p>
             <a:pPr lvl="0"/>
             <a:r>
-              <a:rPr lang="ja-JP" altLang="en-US" smtClean="0"/>
+              <a:rPr lang="ja-JP" altLang="en-US"/>
               <a:t>マスター テキストの書式設定</a:t>
             </a:r>
           </a:p>
@@ -1598,67 +1600,67 @@
           <a:p>
             <a:pPr lvl="0"/>
             <a:r>
-              <a:rPr lang="ja-JP" altLang="en-US" smtClean="0"/>
+              <a:rPr lang="ja-JP" altLang="en-US"/>
               <a:t>マスター テキストの書式設定</a:t>
             </a:r>
           </a:p>
           <a:p>
             <a:pPr lvl="1"/>
             <a:r>
-              <a:rPr lang="ja-JP" altLang="en-US" smtClean="0"/>
+              <a:rPr lang="ja-JP" altLang="en-US"/>
               <a:t>第 </a:t>
             </a:r>
             <a:r>
-              <a:rPr lang="en-US" altLang="ja-JP" smtClean="0"/>
+              <a:rPr lang="en-US" altLang="ja-JP"/>
               <a:t>2 </a:t>
             </a:r>
             <a:r>
-              <a:rPr lang="ja-JP" altLang="en-US" smtClean="0"/>
+              <a:rPr lang="ja-JP" altLang="en-US"/>
               <a:t>レベル</a:t>
             </a:r>
           </a:p>
           <a:p>
             <a:pPr lvl="2"/>
             <a:r>
-              <a:rPr lang="ja-JP" altLang="en-US" smtClean="0"/>
+              <a:rPr lang="ja-JP" altLang="en-US"/>
               <a:t>第 </a:t>
             </a:r>
             <a:r>
-              <a:rPr lang="en-US" altLang="ja-JP" smtClean="0"/>
+              <a:rPr lang="en-US" altLang="ja-JP"/>
               <a:t>3 </a:t>
             </a:r>
             <a:r>
-              <a:rPr lang="ja-JP" altLang="en-US" smtClean="0"/>
+              <a:rPr lang="ja-JP" altLang="en-US"/>
               <a:t>レベル</a:t>
             </a:r>
           </a:p>
           <a:p>
             <a:pPr lvl="3"/>
             <a:r>
-              <a:rPr lang="ja-JP" altLang="en-US" smtClean="0"/>
+              <a:rPr lang="ja-JP" altLang="en-US"/>
               <a:t>第 </a:t>
             </a:r>
             <a:r>
-              <a:rPr lang="en-US" altLang="ja-JP" smtClean="0"/>
+              <a:rPr lang="en-US" altLang="ja-JP"/>
               <a:t>4 </a:t>
             </a:r>
             <a:r>
-              <a:rPr lang="ja-JP" altLang="en-US" smtClean="0"/>
+              <a:rPr lang="ja-JP" altLang="en-US"/>
               <a:t>レベル</a:t>
             </a:r>
           </a:p>
           <a:p>
             <a:pPr lvl="4"/>
             <a:r>
-              <a:rPr lang="ja-JP" altLang="en-US" smtClean="0"/>
+              <a:rPr lang="ja-JP" altLang="en-US"/>
               <a:t>第 </a:t>
             </a:r>
             <a:r>
-              <a:rPr lang="en-US" altLang="ja-JP" smtClean="0"/>
+              <a:rPr lang="en-US" altLang="ja-JP"/>
               <a:t>5 </a:t>
             </a:r>
             <a:r>
-              <a:rPr lang="ja-JP" altLang="en-US" smtClean="0"/>
+              <a:rPr lang="ja-JP" altLang="en-US"/>
               <a:t>レベル</a:t>
             </a:r>
             <a:endParaRPr lang="en-US" dirty="0"/>
@@ -1724,7 +1726,7 @@
           <a:p>
             <a:pPr lvl="0"/>
             <a:r>
-              <a:rPr lang="ja-JP" altLang="en-US" smtClean="0"/>
+              <a:rPr lang="ja-JP" altLang="en-US"/>
               <a:t>マスター テキストの書式設定</a:t>
             </a:r>
           </a:p>
@@ -1752,67 +1754,67 @@
           <a:p>
             <a:pPr lvl="0"/>
             <a:r>
-              <a:rPr lang="ja-JP" altLang="en-US" smtClean="0"/>
+              <a:rPr lang="ja-JP" altLang="en-US"/>
               <a:t>マスター テキストの書式設定</a:t>
             </a:r>
           </a:p>
           <a:p>
             <a:pPr lvl="1"/>
             <a:r>
-              <a:rPr lang="ja-JP" altLang="en-US" smtClean="0"/>
+              <a:rPr lang="ja-JP" altLang="en-US"/>
               <a:t>第 </a:t>
             </a:r>
             <a:r>
-              <a:rPr lang="en-US" altLang="ja-JP" smtClean="0"/>
+              <a:rPr lang="en-US" altLang="ja-JP"/>
               <a:t>2 </a:t>
             </a:r>
             <a:r>
-              <a:rPr lang="ja-JP" altLang="en-US" smtClean="0"/>
+              <a:rPr lang="ja-JP" altLang="en-US"/>
               <a:t>レベル</a:t>
             </a:r>
           </a:p>
           <a:p>
             <a:pPr lvl="2"/>
             <a:r>
-              <a:rPr lang="ja-JP" altLang="en-US" smtClean="0"/>
+              <a:rPr lang="ja-JP" altLang="en-US"/>
               <a:t>第 </a:t>
             </a:r>
             <a:r>
-              <a:rPr lang="en-US" altLang="ja-JP" smtClean="0"/>
+              <a:rPr lang="en-US" altLang="ja-JP"/>
               <a:t>3 </a:t>
             </a:r>
             <a:r>
-              <a:rPr lang="ja-JP" altLang="en-US" smtClean="0"/>
+              <a:rPr lang="ja-JP" altLang="en-US"/>
               <a:t>レベル</a:t>
             </a:r>
           </a:p>
           <a:p>
             <a:pPr lvl="3"/>
             <a:r>
-              <a:rPr lang="ja-JP" altLang="en-US" smtClean="0"/>
+              <a:rPr lang="ja-JP" altLang="en-US"/>
               <a:t>第 </a:t>
             </a:r>
             <a:r>
-              <a:rPr lang="en-US" altLang="ja-JP" smtClean="0"/>
+              <a:rPr lang="en-US" altLang="ja-JP"/>
               <a:t>4 </a:t>
             </a:r>
             <a:r>
-              <a:rPr lang="ja-JP" altLang="en-US" smtClean="0"/>
+              <a:rPr lang="ja-JP" altLang="en-US"/>
               <a:t>レベル</a:t>
             </a:r>
           </a:p>
           <a:p>
             <a:pPr lvl="4"/>
             <a:r>
-              <a:rPr lang="ja-JP" altLang="en-US" smtClean="0"/>
+              <a:rPr lang="ja-JP" altLang="en-US"/>
               <a:t>第 </a:t>
             </a:r>
             <a:r>
-              <a:rPr lang="en-US" altLang="ja-JP" smtClean="0"/>
+              <a:rPr lang="en-US" altLang="ja-JP"/>
               <a:t>5 </a:t>
             </a:r>
             <a:r>
-              <a:rPr lang="ja-JP" altLang="en-US" smtClean="0"/>
+              <a:rPr lang="ja-JP" altLang="en-US"/>
               <a:t>レベル</a:t>
             </a:r>
             <a:endParaRPr lang="en-US" dirty="0"/>
@@ -1836,7 +1838,7 @@
           <a:p>
             <a:fld id="{EA757145-8A31-704C-AF1D-6BE20B8570FD}" type="datetimeFigureOut">
               <a:rPr kumimoji="1" lang="ja-JP" altLang="en-US" smtClean="0"/>
-              <a:t>2018/5/23</a:t>
+              <a:t>2018/6/12</a:t>
             </a:fld>
             <a:endParaRPr kumimoji="1" lang="ja-JP" altLang="en-US"/>
           </a:p>
@@ -1930,7 +1932,7 @@
           <a:lstStyle/>
           <a:p>
             <a:r>
-              <a:rPr lang="ja-JP" altLang="en-US" smtClean="0"/>
+              <a:rPr lang="ja-JP" altLang="en-US"/>
               <a:t>マスター タイトルの書式設定</a:t>
             </a:r>
             <a:endParaRPr lang="en-US" dirty="0"/>
@@ -1954,7 +1956,7 @@
           <a:p>
             <a:fld id="{EA757145-8A31-704C-AF1D-6BE20B8570FD}" type="datetimeFigureOut">
               <a:rPr kumimoji="1" lang="ja-JP" altLang="en-US" smtClean="0"/>
-              <a:t>2018/5/23</a:t>
+              <a:t>2018/6/12</a:t>
             </a:fld>
             <a:endParaRPr kumimoji="1" lang="ja-JP" altLang="en-US"/>
           </a:p>
@@ -2049,7 +2051,7 @@
           <a:p>
             <a:fld id="{EA757145-8A31-704C-AF1D-6BE20B8570FD}" type="datetimeFigureOut">
               <a:rPr kumimoji="1" lang="ja-JP" altLang="en-US" smtClean="0"/>
-              <a:t>2018/5/23</a:t>
+              <a:t>2018/6/12</a:t>
             </a:fld>
             <a:endParaRPr kumimoji="1" lang="ja-JP" altLang="en-US"/>
           </a:p>
@@ -2152,7 +2154,7 @@
           </a:lstStyle>
           <a:p>
             <a:r>
-              <a:rPr lang="ja-JP" altLang="en-US" smtClean="0"/>
+              <a:rPr lang="ja-JP" altLang="en-US"/>
               <a:t>マスター タイトルの書式設定</a:t>
             </a:r>
             <a:endParaRPr lang="en-US" dirty="0"/>
@@ -2209,67 +2211,67 @@
           <a:p>
             <a:pPr lvl="0"/>
             <a:r>
-              <a:rPr lang="ja-JP" altLang="en-US" smtClean="0"/>
+              <a:rPr lang="ja-JP" altLang="en-US"/>
               <a:t>マスター テキストの書式設定</a:t>
             </a:r>
           </a:p>
           <a:p>
             <a:pPr lvl="1"/>
             <a:r>
-              <a:rPr lang="ja-JP" altLang="en-US" smtClean="0"/>
+              <a:rPr lang="ja-JP" altLang="en-US"/>
               <a:t>第 </a:t>
             </a:r>
             <a:r>
-              <a:rPr lang="en-US" altLang="ja-JP" smtClean="0"/>
+              <a:rPr lang="en-US" altLang="ja-JP"/>
               <a:t>2 </a:t>
             </a:r>
             <a:r>
-              <a:rPr lang="ja-JP" altLang="en-US" smtClean="0"/>
+              <a:rPr lang="ja-JP" altLang="en-US"/>
               <a:t>レベル</a:t>
             </a:r>
           </a:p>
           <a:p>
             <a:pPr lvl="2"/>
             <a:r>
-              <a:rPr lang="ja-JP" altLang="en-US" smtClean="0"/>
+              <a:rPr lang="ja-JP" altLang="en-US"/>
               <a:t>第 </a:t>
             </a:r>
             <a:r>
-              <a:rPr lang="en-US" altLang="ja-JP" smtClean="0"/>
+              <a:rPr lang="en-US" altLang="ja-JP"/>
               <a:t>3 </a:t>
             </a:r>
             <a:r>
-              <a:rPr lang="ja-JP" altLang="en-US" smtClean="0"/>
+              <a:rPr lang="ja-JP" altLang="en-US"/>
               <a:t>レベル</a:t>
             </a:r>
           </a:p>
           <a:p>
             <a:pPr lvl="3"/>
             <a:r>
-              <a:rPr lang="ja-JP" altLang="en-US" smtClean="0"/>
+              <a:rPr lang="ja-JP" altLang="en-US"/>
               <a:t>第 </a:t>
             </a:r>
             <a:r>
-              <a:rPr lang="en-US" altLang="ja-JP" smtClean="0"/>
+              <a:rPr lang="en-US" altLang="ja-JP"/>
               <a:t>4 </a:t>
             </a:r>
             <a:r>
-              <a:rPr lang="ja-JP" altLang="en-US" smtClean="0"/>
+              <a:rPr lang="ja-JP" altLang="en-US"/>
               <a:t>レベル</a:t>
             </a:r>
           </a:p>
           <a:p>
             <a:pPr lvl="4"/>
             <a:r>
-              <a:rPr lang="ja-JP" altLang="en-US" smtClean="0"/>
+              <a:rPr lang="ja-JP" altLang="en-US"/>
               <a:t>第 </a:t>
             </a:r>
             <a:r>
-              <a:rPr lang="en-US" altLang="ja-JP" smtClean="0"/>
+              <a:rPr lang="en-US" altLang="ja-JP"/>
               <a:t>5 </a:t>
             </a:r>
             <a:r>
-              <a:rPr lang="ja-JP" altLang="en-US" smtClean="0"/>
+              <a:rPr lang="ja-JP" altLang="en-US"/>
               <a:t>レベル</a:t>
             </a:r>
             <a:endParaRPr lang="en-US" dirty="0"/>
@@ -2335,7 +2337,7 @@
           <a:p>
             <a:pPr lvl="0"/>
             <a:r>
-              <a:rPr lang="ja-JP" altLang="en-US" smtClean="0"/>
+              <a:rPr lang="ja-JP" altLang="en-US"/>
               <a:t>マスター テキストの書式設定</a:t>
             </a:r>
           </a:p>
@@ -2358,7 +2360,7 @@
           <a:p>
             <a:fld id="{EA757145-8A31-704C-AF1D-6BE20B8570FD}" type="datetimeFigureOut">
               <a:rPr kumimoji="1" lang="ja-JP" altLang="en-US" smtClean="0"/>
-              <a:t>2018/5/23</a:t>
+              <a:t>2018/6/12</a:t>
             </a:fld>
             <a:endParaRPr kumimoji="1" lang="ja-JP" altLang="en-US"/>
           </a:p>
@@ -2461,7 +2463,7 @@
           </a:lstStyle>
           <a:p>
             <a:r>
-              <a:rPr lang="ja-JP" altLang="en-US" smtClean="0"/>
+              <a:rPr lang="ja-JP" altLang="en-US"/>
               <a:t>マスター タイトルの書式設定</a:t>
             </a:r>
             <a:endParaRPr lang="en-US" dirty="0"/>
@@ -2526,7 +2528,7 @@
           </a:lstStyle>
           <a:p>
             <a:r>
-              <a:rPr lang="ja-JP" altLang="en-US" smtClean="0"/>
+              <a:rPr lang="ja-JP" altLang="en-US"/>
               <a:t>プレースホルダーまでドラッグするかアイコンをクリックして図を追加</a:t>
             </a:r>
             <a:endParaRPr lang="en-US" dirty="0"/>
@@ -2592,7 +2594,7 @@
           <a:p>
             <a:pPr lvl="0"/>
             <a:r>
-              <a:rPr lang="ja-JP" altLang="en-US" smtClean="0"/>
+              <a:rPr lang="ja-JP" altLang="en-US"/>
               <a:t>マスター テキストの書式設定</a:t>
             </a:r>
           </a:p>
@@ -2615,7 +2617,7 @@
           <a:p>
             <a:fld id="{EA757145-8A31-704C-AF1D-6BE20B8570FD}" type="datetimeFigureOut">
               <a:rPr kumimoji="1" lang="ja-JP" altLang="en-US" smtClean="0"/>
-              <a:t>2018/5/23</a:t>
+              <a:t>2018/6/12</a:t>
             </a:fld>
             <a:endParaRPr kumimoji="1" lang="ja-JP" altLang="en-US"/>
           </a:p>
@@ -2724,7 +2726,7 @@
           <a:lstStyle/>
           <a:p>
             <a:r>
-              <a:rPr lang="ja-JP" altLang="en-US" smtClean="0"/>
+              <a:rPr lang="ja-JP" altLang="en-US"/>
               <a:t>マスター タイトルの書式設定</a:t>
             </a:r>
             <a:endParaRPr lang="en-US" dirty="0"/>
@@ -2758,67 +2760,67 @@
           <a:p>
             <a:pPr lvl="0"/>
             <a:r>
-              <a:rPr lang="ja-JP" altLang="en-US" smtClean="0"/>
+              <a:rPr lang="ja-JP" altLang="en-US"/>
               <a:t>マスター テキストの書式設定</a:t>
             </a:r>
           </a:p>
           <a:p>
             <a:pPr lvl="1"/>
             <a:r>
-              <a:rPr lang="ja-JP" altLang="en-US" smtClean="0"/>
+              <a:rPr lang="ja-JP" altLang="en-US"/>
               <a:t>第 </a:t>
             </a:r>
             <a:r>
-              <a:rPr lang="en-US" altLang="ja-JP" smtClean="0"/>
+              <a:rPr lang="en-US" altLang="ja-JP"/>
               <a:t>2 </a:t>
             </a:r>
             <a:r>
-              <a:rPr lang="ja-JP" altLang="en-US" smtClean="0"/>
+              <a:rPr lang="ja-JP" altLang="en-US"/>
               <a:t>レベル</a:t>
             </a:r>
           </a:p>
           <a:p>
             <a:pPr lvl="2"/>
             <a:r>
-              <a:rPr lang="ja-JP" altLang="en-US" smtClean="0"/>
+              <a:rPr lang="ja-JP" altLang="en-US"/>
               <a:t>第 </a:t>
             </a:r>
             <a:r>
-              <a:rPr lang="en-US" altLang="ja-JP" smtClean="0"/>
+              <a:rPr lang="en-US" altLang="ja-JP"/>
               <a:t>3 </a:t>
             </a:r>
             <a:r>
-              <a:rPr lang="ja-JP" altLang="en-US" smtClean="0"/>
+              <a:rPr lang="ja-JP" altLang="en-US"/>
               <a:t>レベル</a:t>
             </a:r>
           </a:p>
           <a:p>
             <a:pPr lvl="3"/>
             <a:r>
-              <a:rPr lang="ja-JP" altLang="en-US" smtClean="0"/>
+              <a:rPr lang="ja-JP" altLang="en-US"/>
               <a:t>第 </a:t>
             </a:r>
             <a:r>
-              <a:rPr lang="en-US" altLang="ja-JP" smtClean="0"/>
+              <a:rPr lang="en-US" altLang="ja-JP"/>
               <a:t>4 </a:t>
             </a:r>
             <a:r>
-              <a:rPr lang="ja-JP" altLang="en-US" smtClean="0"/>
+              <a:rPr lang="ja-JP" altLang="en-US"/>
               <a:t>レベル</a:t>
             </a:r>
           </a:p>
           <a:p>
             <a:pPr lvl="4"/>
             <a:r>
-              <a:rPr lang="ja-JP" altLang="en-US" smtClean="0"/>
+              <a:rPr lang="ja-JP" altLang="en-US"/>
               <a:t>第 </a:t>
             </a:r>
             <a:r>
-              <a:rPr lang="en-US" altLang="ja-JP" smtClean="0"/>
+              <a:rPr lang="en-US" altLang="ja-JP"/>
               <a:t>5 </a:t>
             </a:r>
             <a:r>
-              <a:rPr lang="ja-JP" altLang="en-US" smtClean="0"/>
+              <a:rPr lang="ja-JP" altLang="en-US"/>
               <a:t>レベル</a:t>
             </a:r>
             <a:endParaRPr lang="en-US" dirty="0"/>
@@ -2860,7 +2862,7 @@
           <a:p>
             <a:fld id="{EA757145-8A31-704C-AF1D-6BE20B8570FD}" type="datetimeFigureOut">
               <a:rPr kumimoji="1" lang="ja-JP" altLang="en-US" smtClean="0"/>
-              <a:t>2018/5/23</a:t>
+              <a:t>2018/6/12</a:t>
             </a:fld>
             <a:endParaRPr kumimoji="1" lang="ja-JP" altLang="en-US"/>
           </a:p>
@@ -3281,7 +3283,7 @@
           <a:lstStyle/>
           <a:p>
             <a:r>
-              <a:rPr lang="ja-JP" altLang="en-US" dirty="0" smtClean="0"/>
+              <a:rPr lang="ja-JP" altLang="en-US" dirty="0"/>
               <a:t>画像探索アルゴリズム</a:t>
             </a:r>
             <a:endParaRPr kumimoji="1" lang="ja-JP" altLang="en-US" dirty="0"/>
@@ -3311,54 +3313,54 @@
           <a:lstStyle/>
           <a:p>
             <a:r>
-              <a:rPr lang="en-US" altLang="ja-JP" dirty="0" smtClean="0"/>
+              <a:rPr lang="en-US" altLang="ja-JP" dirty="0"/>
               <a:t>4</a:t>
             </a:r>
             <a:r>
-              <a:rPr lang="ja-JP" altLang="en-US" dirty="0" smtClean="0"/>
+              <a:rPr lang="ja-JP" altLang="en-US" dirty="0"/>
               <a:t>班（岸本</a:t>
             </a:r>
             <a:r>
-              <a:rPr lang="en-US" altLang="ja-JP" dirty="0" smtClean="0"/>
+              <a:rPr lang="en-US" altLang="ja-JP" dirty="0"/>
               <a:t> </a:t>
             </a:r>
             <a:r>
-              <a:rPr lang="ja-JP" altLang="en-US" dirty="0" smtClean="0"/>
+              <a:rPr lang="ja-JP" altLang="en-US" dirty="0"/>
               <a:t>広輝，</a:t>
             </a:r>
             <a:r>
-              <a:rPr kumimoji="1" lang="ja-JP" altLang="en-US" dirty="0" smtClean="0"/>
+              <a:rPr kumimoji="1" lang="ja-JP" altLang="en-US" dirty="0"/>
               <a:t>西本</a:t>
             </a:r>
             <a:r>
-              <a:rPr kumimoji="1" lang="en-US" altLang="ja-JP" dirty="0" smtClean="0"/>
+              <a:rPr kumimoji="1" lang="en-US" altLang="ja-JP" dirty="0"/>
               <a:t> </a:t>
             </a:r>
             <a:r>
-              <a:rPr lang="ja-JP" altLang="en-US" dirty="0" smtClean="0"/>
+              <a:rPr lang="ja-JP" altLang="en-US" dirty="0"/>
               <a:t>遥人，</a:t>
             </a:r>
             <a:r>
-              <a:rPr kumimoji="1" lang="ja-JP" altLang="en-US" dirty="0" smtClean="0"/>
+              <a:rPr kumimoji="1" lang="ja-JP" altLang="en-US" dirty="0"/>
               <a:t>藤岡</a:t>
             </a:r>
             <a:r>
-              <a:rPr kumimoji="1" lang="en-US" altLang="ja-JP" dirty="0" smtClean="0"/>
+              <a:rPr kumimoji="1" lang="en-US" altLang="ja-JP" dirty="0"/>
               <a:t> </a:t>
             </a:r>
             <a:r>
-              <a:rPr lang="ja-JP" altLang="en-US" dirty="0" smtClean="0"/>
+              <a:rPr lang="ja-JP" altLang="en-US" dirty="0"/>
               <a:t>勇</a:t>
             </a:r>
             <a:r>
-              <a:rPr kumimoji="1" lang="ja-JP" altLang="en-US" dirty="0" smtClean="0"/>
+              <a:rPr kumimoji="1" lang="ja-JP" altLang="en-US" dirty="0"/>
               <a:t>真）</a:t>
             </a:r>
-            <a:endParaRPr kumimoji="1" lang="en-US" altLang="ja-JP" dirty="0" smtClean="0"/>
-          </a:p>
-          <a:p>
-            <a:r>
-              <a:rPr lang="en-US" altLang="ja-JP" dirty="0" smtClean="0"/>
+            <a:endParaRPr kumimoji="1" lang="en-US" altLang="ja-JP" dirty="0"/>
+          </a:p>
+          <a:p>
+            <a:r>
+              <a:rPr lang="en-US" altLang="ja-JP" dirty="0"/>
               <a:t>2018/05/23</a:t>
             </a:r>
             <a:endParaRPr kumimoji="1" lang="ja-JP" altLang="en-US" dirty="0"/>
@@ -3375,13 +3377,6 @@
   <p:clrMapOvr>
     <a:masterClrMapping/>
   </p:clrMapOvr>
-  <p:timing>
-    <p:tnLst>
-      <p:par>
-        <p:cTn id="1" dur="indefinite" restart="never" nodeType="tmRoot"/>
-      </p:par>
-    </p:tnLst>
-  </p:timing>
 </p:sld>
 </file>
 
@@ -3418,10 +3413,9 @@
           <a:lstStyle/>
           <a:p>
             <a:r>
-              <a:rPr kumimoji="1" lang="ja-JP" altLang="en-US" dirty="0" smtClean="0"/>
+              <a:rPr kumimoji="1" lang="ja-JP" altLang="en-US" dirty="0"/>
               <a:t>実装仕様（拡大・縮小）</a:t>
             </a:r>
-            <a:endParaRPr kumimoji="1" lang="ja-JP" altLang="en-US" dirty="0"/>
           </a:p>
         </p:txBody>
       </p:sp>
@@ -3451,22 +3445,18 @@
               <a:buNone/>
             </a:pPr>
             <a:r>
-              <a:rPr kumimoji="1" lang="ja-JP" altLang="en-US" dirty="0" smtClean="0"/>
-              <a:t>最近傍法を</a:t>
-            </a:r>
-            <a:r>
-              <a:rPr kumimoji="1" lang="ja-JP" altLang="en-US" dirty="0" smtClean="0"/>
-              <a:t>用いた</a:t>
-            </a:r>
-            <a:r>
-              <a:rPr kumimoji="1" lang="en-US" altLang="ja-JP" dirty="0" smtClean="0"/>
+              <a:rPr kumimoji="1" lang="ja-JP" altLang="en-US" dirty="0"/>
+              <a:t>最近傍法を用いた</a:t>
+            </a:r>
+            <a:r>
+              <a:rPr kumimoji="1" lang="en-US" altLang="ja-JP" dirty="0"/>
               <a:t>.</a:t>
             </a:r>
-            <a:endParaRPr kumimoji="1" lang="ja-JP" altLang="en-US" dirty="0" smtClean="0"/>
-          </a:p>
-          <a:p>
-            <a:r>
-              <a:rPr lang="ja-JP" altLang="en-US" sz="2400" dirty="0" smtClean="0"/>
+            <a:endParaRPr kumimoji="1" lang="ja-JP" altLang="en-US" dirty="0"/>
+          </a:p>
+          <a:p>
+            <a:r>
+              <a:rPr lang="ja-JP" altLang="en-US" sz="2400" dirty="0"/>
               <a:t>画像を拡大した際に最近傍にある画素をそのまま用いる．</a:t>
             </a:r>
             <a:endParaRPr lang="en-US" altLang="ja-JP" sz="2400" dirty="0"/>
@@ -3495,7 +3485,7 @@
           </a:bodyPr>
           <a:lstStyle/>
           <a:p>
-            <a:endParaRPr kumimoji="1" lang="en-US" altLang="ja-JP" sz="2400" b="0" dirty="0" smtClean="0"/>
+            <a:endParaRPr kumimoji="1" lang="en-US" altLang="ja-JP" sz="2400" b="0" dirty="0"/>
           </a:p>
           <a:p>
             <a:endParaRPr kumimoji="1" lang="ja-JP" altLang="en-US" sz="2400" dirty="0"/>
@@ -3524,7 +3514,7 @@
           </a:bodyPr>
           <a:lstStyle/>
           <a:p>
-            <a:endParaRPr kumimoji="1" lang="en-US" altLang="ja-JP" sz="2400" b="0" dirty="0" smtClean="0"/>
+            <a:endParaRPr kumimoji="1" lang="en-US" altLang="ja-JP" sz="2400" b="0" dirty="0"/>
           </a:p>
           <a:p>
             <a:endParaRPr kumimoji="1" lang="ja-JP" altLang="en-US" sz="2400" dirty="0"/>
@@ -3566,7 +3556,7 @@
                         <m:sSupPr>
                           <m:ctrlPr>
                             <a:rPr kumimoji="1" lang="en-US" altLang="ja-JP" b="0" i="1" smtClean="0">
-                              <a:latin typeface="Cambria Math" charset="0"/>
+                              <a:latin typeface="Cambria Math" panose="02040503050406030204" pitchFamily="18" charset="0"/>
                             </a:rPr>
                           </m:ctrlPr>
                         </m:sSupPr>
@@ -3591,7 +3581,7 @@
                         <m:dPr>
                           <m:ctrlPr>
                             <a:rPr kumimoji="1" lang="en-US" altLang="ja-JP" b="0" i="1" smtClean="0">
-                              <a:latin typeface="Cambria Math" charset="0"/>
+                              <a:latin typeface="Cambria Math" panose="02040503050406030204" pitchFamily="18" charset="0"/>
                             </a:rPr>
                           </m:ctrlPr>
                         </m:dPr>
@@ -3632,7 +3622,7 @@
                         <m:dPr>
                           <m:ctrlPr>
                             <a:rPr kumimoji="1" lang="en-US" altLang="ja-JP" b="0" i="1" smtClean="0">
-                              <a:latin typeface="Cambria Math" charset="0"/>
+                              <a:latin typeface="Cambria Math" panose="02040503050406030204" pitchFamily="18" charset="0"/>
                             </a:rPr>
                           </m:ctrlPr>
                         </m:dPr>
@@ -3643,7 +3633,7 @@
                               <m:endChr m:val="]"/>
                               <m:ctrlPr>
                                 <a:rPr kumimoji="1" lang="en-US" altLang="ja-JP" b="0" i="1" smtClean="0">
-                                  <a:latin typeface="Cambria Math" charset="0"/>
+                                  <a:latin typeface="Cambria Math" panose="02040503050406030204" pitchFamily="18" charset="0"/>
                                 </a:rPr>
                               </m:ctrlPr>
                             </m:dPr>
@@ -3652,7 +3642,7 @@
                                 <m:fPr>
                                   <m:ctrlPr>
                                     <a:rPr kumimoji="1" lang="en-US" altLang="ja-JP" b="0" i="1" smtClean="0">
-                                      <a:latin typeface="Cambria Math" charset="0"/>
+                                      <a:latin typeface="Cambria Math" panose="02040503050406030204" pitchFamily="18" charset="0"/>
                                     </a:rPr>
                                   </m:ctrlPr>
                                 </m:fPr>
@@ -3687,7 +3677,7 @@
                               <m:endChr m:val="]"/>
                               <m:ctrlPr>
                                 <a:rPr kumimoji="1" lang="en-US" altLang="ja-JP" b="0" i="1" smtClean="0">
-                                  <a:latin typeface="Cambria Math" charset="0"/>
+                                  <a:latin typeface="Cambria Math" panose="02040503050406030204" pitchFamily="18" charset="0"/>
                                 </a:rPr>
                               </m:ctrlPr>
                             </m:dPr>
@@ -3696,7 +3686,7 @@
                                 <m:fPr>
                                   <m:ctrlPr>
                                     <a:rPr kumimoji="1" lang="en-US" altLang="ja-JP" b="0" i="1" smtClean="0">
-                                      <a:latin typeface="Cambria Math" charset="0"/>
+                                      <a:latin typeface="Cambria Math" panose="02040503050406030204" pitchFamily="18" charset="0"/>
                                     </a:rPr>
                                   </m:ctrlPr>
                                 </m:fPr>
@@ -3816,15 +3806,21 @@
                       <a:rPr kumimoji="1" lang="en-US" altLang="ja-JP" sz="2400" b="0" i="1" smtClean="0">
                         <a:latin typeface="Cambria Math" charset="0"/>
                       </a:rPr>
-                      <m:t>:拡大</m:t>
+                      <m:t>:</m:t>
+                    </m:r>
+                    <m:r>
+                      <a:rPr kumimoji="1" lang="en-US" altLang="ja-JP" sz="2400" b="0" i="1" smtClean="0">
+                        <a:latin typeface="Cambria Math" charset="0"/>
+                      </a:rPr>
+                      <m:t>拡大</m:t>
                     </m:r>
                   </m:oMath>
                 </a14:m>
                 <a:r>
-                  <a:rPr kumimoji="1" lang="ja-JP" altLang="en-US" sz="2400" dirty="0" smtClean="0"/>
+                  <a:rPr kumimoji="1" lang="ja-JP" altLang="en-US" sz="2400" dirty="0"/>
                   <a:t>（縮小）後の画素の位置</a:t>
                 </a:r>
-                <a:endParaRPr kumimoji="1" lang="en-US" altLang="ja-JP" sz="2400" dirty="0" smtClean="0"/>
+                <a:endParaRPr kumimoji="1" lang="en-US" altLang="ja-JP" sz="2400" dirty="0"/>
               </a:p>
             </p:txBody>
           </p:sp>
@@ -3904,15 +3900,20 @@
                       <a:rPr kumimoji="1" lang="en-US" altLang="ja-JP" sz="2400" b="0" i="1" smtClean="0">
                         <a:latin typeface="Cambria Math" charset="0"/>
                       </a:rPr>
-                      <m:t>:拡大</m:t>
+                      <m:t>:</m:t>
+                    </m:r>
+                    <m:r>
+                      <a:rPr kumimoji="1" lang="en-US" altLang="ja-JP" sz="2400" b="0" i="1" smtClean="0">
+                        <a:latin typeface="Cambria Math" charset="0"/>
+                      </a:rPr>
+                      <m:t>拡大</m:t>
                     </m:r>
                   </m:oMath>
                 </a14:m>
                 <a:r>
-                  <a:rPr kumimoji="1" lang="ja-JP" altLang="en-US" sz="2400" dirty="0" smtClean="0"/>
+                  <a:rPr kumimoji="1" lang="ja-JP" altLang="en-US" sz="2400" dirty="0"/>
                   <a:t>（縮小）率</a:t>
                 </a:r>
-                <a:endParaRPr kumimoji="1" lang="ja-JP" altLang="en-US" sz="2400" dirty="0"/>
               </a:p>
             </p:txBody>
           </p:sp>
@@ -3993,7 +3994,7 @@
                           <m:endChr m:val=""/>
                           <m:ctrlPr>
                             <a:rPr kumimoji="1" lang="mr-IN" altLang="ja-JP" sz="2400" i="1" smtClean="0">
-                              <a:latin typeface="Cambria Math" charset="0"/>
+                              <a:latin typeface="Cambria Math" panose="02040503050406030204" pitchFamily="18" charset="0"/>
                             </a:rPr>
                           </m:ctrlPr>
                         </m:dPr>
@@ -4002,7 +4003,7 @@
                             <m:eqArrPr>
                               <m:ctrlPr>
                                 <a:rPr kumimoji="1" lang="mr-IN" altLang="ja-JP" sz="2400" i="1" smtClean="0">
-                                  <a:latin typeface="Cambria Math" charset="0"/>
+                                  <a:latin typeface="Cambria Math" panose="02040503050406030204" pitchFamily="18" charset="0"/>
                                 </a:rPr>
                               </m:ctrlPr>
                             </m:eqArrPr>
@@ -4025,7 +4026,7 @@
                                   <m:endChr m:val="]"/>
                                   <m:ctrlPr>
                                     <a:rPr kumimoji="1" lang="en-US" altLang="ja-JP" sz="2400" b="0" i="1" smtClean="0">
-                                      <a:latin typeface="Cambria Math" charset="0"/>
+                                      <a:latin typeface="Cambria Math" panose="02040503050406030204" pitchFamily="18" charset="0"/>
                                     </a:rPr>
                                   </m:ctrlPr>
                                 </m:dPr>
@@ -4034,7 +4035,7 @@
                                     <m:fPr>
                                       <m:ctrlPr>
                                         <a:rPr kumimoji="1" lang="en-US" altLang="ja-JP" sz="2400" b="0" i="1" smtClean="0">
-                                          <a:latin typeface="Cambria Math" charset="0"/>
+                                          <a:latin typeface="Cambria Math" panose="02040503050406030204" pitchFamily="18" charset="0"/>
                                         </a:rPr>
                                       </m:ctrlPr>
                                     </m:fPr>
@@ -4077,7 +4078,7 @@
                                   <m:endChr m:val="]"/>
                                   <m:ctrlPr>
                                     <a:rPr kumimoji="1" lang="en-US" altLang="ja-JP" sz="2400" b="0" i="1" smtClean="0">
-                                      <a:latin typeface="Cambria Math" charset="0"/>
+                                      <a:latin typeface="Cambria Math" panose="02040503050406030204" pitchFamily="18" charset="0"/>
                                     </a:rPr>
                                   </m:ctrlPr>
                                 </m:dPr>
@@ -4086,7 +4087,7 @@
                                     <m:fPr>
                                       <m:ctrlPr>
                                         <a:rPr kumimoji="1" lang="en-US" altLang="ja-JP" sz="2400" b="0" i="1" smtClean="0">
-                                          <a:latin typeface="Cambria Math" charset="0"/>
+                                          <a:latin typeface="Cambria Math" panose="02040503050406030204" pitchFamily="18" charset="0"/>
                                         </a:rPr>
                                       </m:ctrlPr>
                                     </m:fPr>
@@ -4170,13 +4171,6 @@
   <p:clrMapOvr>
     <a:masterClrMapping/>
   </p:clrMapOvr>
-  <p:timing>
-    <p:tnLst>
-      <p:par>
-        <p:cTn id="1" dur="indefinite" restart="never" nodeType="tmRoot"/>
-      </p:par>
-    </p:tnLst>
-  </p:timing>
 </p:sld>
 </file>
 
@@ -4213,10 +4207,9 @@
           <a:lstStyle/>
           <a:p>
             <a:r>
-              <a:rPr kumimoji="1" lang="ja-JP" altLang="en-US" dirty="0" smtClean="0"/>
+              <a:rPr kumimoji="1" lang="ja-JP" altLang="en-US" dirty="0"/>
               <a:t>実装仕様（回転）</a:t>
             </a:r>
-            <a:endParaRPr kumimoji="1" lang="ja-JP" altLang="en-US" dirty="0"/>
           </a:p>
         </p:txBody>
       </p:sp>
@@ -4246,10 +4239,10 @@
               <a:buNone/>
             </a:pPr>
             <a:r>
-              <a:rPr kumimoji="1" lang="ja-JP" altLang="en-US" dirty="0" smtClean="0"/>
+              <a:rPr kumimoji="1" lang="ja-JP" altLang="en-US" dirty="0"/>
               <a:t>線形補間を用いた．</a:t>
             </a:r>
-            <a:endParaRPr kumimoji="1" lang="en-US" altLang="ja-JP" dirty="0" smtClean="0"/>
+            <a:endParaRPr kumimoji="1" lang="en-US" altLang="ja-JP" dirty="0"/>
           </a:p>
           <a:p>
             <a:r>
@@ -4297,7 +4290,7 @@
                           <m:endChr m:val=""/>
                           <m:ctrlPr>
                             <a:rPr kumimoji="1" lang="mr-IN" altLang="ja-JP" sz="2400" i="1" smtClean="0">
-                              <a:latin typeface="Cambria Math" charset="0"/>
+                              <a:latin typeface="Cambria Math" panose="02040503050406030204" pitchFamily="18" charset="0"/>
                             </a:rPr>
                           </m:ctrlPr>
                         </m:dPr>
@@ -4306,7 +4299,7 @@
                             <m:eqArrPr>
                               <m:ctrlPr>
                                 <a:rPr kumimoji="1" lang="mr-IN" altLang="ja-JP" sz="2400" i="1" smtClean="0">
-                                  <a:latin typeface="Cambria Math" charset="0"/>
+                                  <a:latin typeface="Cambria Math" panose="02040503050406030204" pitchFamily="18" charset="0"/>
                                 </a:rPr>
                               </m:ctrlPr>
                             </m:eqArrPr>
@@ -4327,7 +4320,7 @@
                                 <m:sSupPr>
                                   <m:ctrlPr>
                                     <a:rPr kumimoji="1" lang="en-US" altLang="ja-JP" sz="2400" b="0" i="1" smtClean="0">
-                                      <a:latin typeface="Cambria Math" charset="0"/>
+                                      <a:latin typeface="Cambria Math" panose="02040503050406030204" pitchFamily="18" charset="0"/>
                                     </a:rPr>
                                   </m:ctrlPr>
                                 </m:sSupPr>
@@ -4358,7 +4351,7 @@
                                 <m:funcPr>
                                   <m:ctrlPr>
                                     <a:rPr kumimoji="1" lang="en-US" altLang="ja-JP" sz="2400" b="0" i="1" smtClean="0">
-                                      <a:latin typeface="Cambria Math" charset="0"/>
+                                      <a:latin typeface="Cambria Math" panose="02040503050406030204" pitchFamily="18" charset="0"/>
                                     </a:rPr>
                                   </m:ctrlPr>
                                 </m:funcPr>
@@ -4392,7 +4385,7 @@
                                 <m:sSupPr>
                                   <m:ctrlPr>
                                     <a:rPr kumimoji="1" lang="en-US" altLang="ja-JP" sz="2400" b="0" i="1" smtClean="0">
-                                      <a:latin typeface="Cambria Math" charset="0"/>
+                                      <a:latin typeface="Cambria Math" panose="02040503050406030204" pitchFamily="18" charset="0"/>
                                     </a:rPr>
                                   </m:ctrlPr>
                                 </m:sSupPr>
@@ -4423,7 +4416,7 @@
                                 <m:funcPr>
                                   <m:ctrlPr>
                                     <a:rPr kumimoji="1" lang="en-US" altLang="ja-JP" sz="2400" b="0" i="1" smtClean="0">
-                                      <a:latin typeface="Cambria Math" charset="0"/>
+                                      <a:latin typeface="Cambria Math" panose="02040503050406030204" pitchFamily="18" charset="0"/>
                                     </a:rPr>
                                   </m:ctrlPr>
                                 </m:funcPr>
@@ -4477,7 +4470,7 @@
                                 <m:funcPr>
                                   <m:ctrlPr>
                                     <a:rPr kumimoji="1" lang="en-US" altLang="ja-JP" sz="2400" b="0" i="1" smtClean="0">
-                                      <a:latin typeface="Cambria Math" charset="0"/>
+                                      <a:latin typeface="Cambria Math" panose="02040503050406030204" pitchFamily="18" charset="0"/>
                                     </a:rPr>
                                   </m:ctrlPr>
                                 </m:funcPr>
@@ -4486,7 +4479,7 @@
                                     <m:funcPr>
                                       <m:ctrlPr>
                                         <a:rPr lang="en-US" altLang="ja-JP" sz="2400" i="1">
-                                          <a:latin typeface="Cambria Math" charset="0"/>
+                                          <a:latin typeface="Cambria Math" panose="02040503050406030204" pitchFamily="18" charset="0"/>
                                         </a:rPr>
                                       </m:ctrlPr>
                                     </m:funcPr>
@@ -4522,7 +4515,7 @@
                                     <m:sSupPr>
                                       <m:ctrlPr>
                                         <a:rPr kumimoji="1" lang="en-US" altLang="ja-JP" sz="2400" b="0" i="1" smtClean="0">
-                                          <a:latin typeface="Cambria Math" charset="0"/>
+                                          <a:latin typeface="Cambria Math" panose="02040503050406030204" pitchFamily="18" charset="0"/>
                                         </a:rPr>
                                       </m:ctrlPr>
                                     </m:sSupPr>
@@ -4553,7 +4546,7 @@
                                     <m:funcPr>
                                       <m:ctrlPr>
                                         <a:rPr kumimoji="1" lang="en-US" altLang="ja-JP" sz="2400" b="0" i="1" smtClean="0">
-                                          <a:latin typeface="Cambria Math" charset="0"/>
+                                          <a:latin typeface="Cambria Math" panose="02040503050406030204" pitchFamily="18" charset="0"/>
                                         </a:rPr>
                                       </m:ctrlPr>
                                     </m:funcPr>
@@ -4660,7 +4653,7 @@
                       <m:sSupPr>
                         <m:ctrlPr>
                           <a:rPr kumimoji="1" lang="en-US" altLang="ja-JP" sz="2400" b="0" i="1" smtClean="0">
-                            <a:latin typeface="Cambria Math" charset="0"/>
+                            <a:latin typeface="Cambria Math" panose="02040503050406030204" pitchFamily="18" charset="0"/>
                           </a:rPr>
                         </m:ctrlPr>
                       </m:sSupPr>
@@ -4691,7 +4684,7 @@
                       <m:sSupPr>
                         <m:ctrlPr>
                           <a:rPr kumimoji="1" lang="en-US" altLang="ja-JP" sz="2400" b="0" i="1" smtClean="0">
-                            <a:latin typeface="Cambria Math" charset="0"/>
+                            <a:latin typeface="Cambria Math" panose="02040503050406030204" pitchFamily="18" charset="0"/>
                           </a:rPr>
                         </m:ctrlPr>
                       </m:sSupPr>
@@ -4727,10 +4720,9 @@
                   </m:oMath>
                 </a14:m>
                 <a:r>
-                  <a:rPr kumimoji="1" lang="ja-JP" altLang="en-US" sz="2400" dirty="0" smtClean="0"/>
+                  <a:rPr kumimoji="1" lang="ja-JP" altLang="en-US" sz="2400" dirty="0"/>
                   <a:t>の画素の位置</a:t>
                 </a:r>
-                <a:endParaRPr kumimoji="1" lang="ja-JP" altLang="en-US" sz="2400" dirty="0"/>
               </a:p>
             </p:txBody>
           </p:sp>
@@ -4822,15 +4814,20 @@
                       <a:rPr kumimoji="1" lang="en-US" altLang="ja-JP" sz="2400" b="0" i="1" smtClean="0">
                         <a:latin typeface="Cambria Math" charset="0"/>
                       </a:rPr>
-                      <m:t> :回転前</m:t>
+                      <m:t> :</m:t>
+                    </m:r>
+                    <m:r>
+                      <a:rPr kumimoji="1" lang="en-US" altLang="ja-JP" sz="2400" b="0" i="1" smtClean="0">
+                        <a:latin typeface="Cambria Math" charset="0"/>
+                      </a:rPr>
+                      <m:t>回転前</m:t>
                     </m:r>
                   </m:oMath>
                 </a14:m>
                 <a:r>
-                  <a:rPr kumimoji="1" lang="ja-JP" altLang="en-US" sz="2400" dirty="0" smtClean="0"/>
+                  <a:rPr kumimoji="1" lang="ja-JP" altLang="en-US" sz="2400" dirty="0"/>
                   <a:t>の画素の位置</a:t>
                 </a:r>
-                <a:endParaRPr kumimoji="1" lang="ja-JP" altLang="en-US" sz="2400" dirty="0"/>
               </a:p>
             </p:txBody>
           </p:sp>
@@ -4915,7 +4912,13 @@
                         <a:rPr kumimoji="1" lang="en-US" altLang="ja-JP" sz="2400" b="0" i="1" smtClean="0">
                           <a:latin typeface="Cambria Math" charset="0"/>
                         </a:rPr>
-                        <m:t>:回転角</m:t>
+                        <m:t>:</m:t>
+                      </m:r>
+                      <m:r>
+                        <a:rPr kumimoji="1" lang="en-US" altLang="ja-JP" sz="2400" b="0" i="1" smtClean="0">
+                          <a:latin typeface="Cambria Math" charset="0"/>
+                        </a:rPr>
+                        <m:t>回転角</m:t>
                       </m:r>
                     </m:oMath>
                   </m:oMathPara>
@@ -4974,13 +4977,6 @@
   <p:clrMapOvr>
     <a:masterClrMapping/>
   </p:clrMapOvr>
-  <p:timing>
-    <p:tnLst>
-      <p:par>
-        <p:cTn id="1" dur="indefinite" restart="never" nodeType="tmRoot"/>
-      </p:par>
-    </p:tnLst>
-  </p:timing>
 </p:sld>
 </file>
 
@@ -5017,7 +5013,7 @@
           <a:lstStyle/>
           <a:p>
             <a:r>
-              <a:rPr lang="ja-JP" altLang="en-US" dirty="0" smtClean="0"/>
+              <a:rPr lang="ja-JP" altLang="en-US" dirty="0"/>
               <a:t>実装仕様（探索アルゴリズム）</a:t>
             </a:r>
             <a:endParaRPr kumimoji="1" lang="ja-JP" altLang="en-US" dirty="0"/>
@@ -5043,75 +5039,75 @@
               <a:buNone/>
             </a:pPr>
             <a:r>
-              <a:rPr lang="ja-JP" altLang="en-US" dirty="0" smtClean="0"/>
+              <a:rPr lang="ja-JP" altLang="en-US" dirty="0"/>
               <a:t>拡大縮小，回転を変更して全探索</a:t>
             </a:r>
             <a:endParaRPr lang="en-US" altLang="ja-JP" dirty="0"/>
           </a:p>
           <a:p>
             <a:r>
-              <a:rPr lang="ja-JP" altLang="en-US" dirty="0" smtClean="0"/>
+              <a:rPr lang="ja-JP" altLang="en-US" dirty="0"/>
               <a:t>拡大縮小</a:t>
             </a:r>
             <a:r>
-              <a:rPr lang="en-US" altLang="ja-JP" dirty="0" smtClean="0"/>
+              <a:rPr lang="en-US" altLang="ja-JP" dirty="0"/>
               <a:t>:0.6−1.6</a:t>
             </a:r>
             <a:r>
-              <a:rPr lang="ja-JP" altLang="en-US" dirty="0" smtClean="0"/>
+              <a:rPr lang="ja-JP" altLang="en-US" dirty="0"/>
               <a:t>（刻み幅</a:t>
             </a:r>
             <a:r>
-              <a:rPr lang="en-US" altLang="ja-JP" dirty="0" smtClean="0"/>
+              <a:rPr lang="en-US" altLang="ja-JP" dirty="0"/>
               <a:t>0.1</a:t>
             </a:r>
             <a:r>
-              <a:rPr lang="ja-JP" altLang="en-US" dirty="0" smtClean="0"/>
+              <a:rPr lang="ja-JP" altLang="en-US" dirty="0"/>
               <a:t>）</a:t>
             </a:r>
-            <a:endParaRPr lang="en-US" altLang="ja-JP" dirty="0" smtClean="0"/>
-          </a:p>
-          <a:p>
-            <a:r>
-              <a:rPr lang="ja-JP" altLang="en-US" dirty="0" smtClean="0"/>
+            <a:endParaRPr lang="en-US" altLang="ja-JP" dirty="0"/>
+          </a:p>
+          <a:p>
+            <a:r>
+              <a:rPr lang="ja-JP" altLang="en-US" dirty="0"/>
               <a:t>回転</a:t>
             </a:r>
             <a:r>
-              <a:rPr lang="en-US" altLang="ja-JP" dirty="0" smtClean="0"/>
+              <a:rPr lang="en-US" altLang="ja-JP" dirty="0"/>
               <a:t>:</a:t>
             </a:r>
             <a:r>
-              <a:rPr lang="ja-JP" altLang="en-US" dirty="0" smtClean="0"/>
+              <a:rPr lang="ja-JP" altLang="en-US" dirty="0"/>
               <a:t>−</a:t>
             </a:r>
             <a:r>
-              <a:rPr lang="en-US" altLang="ja-JP" dirty="0" smtClean="0"/>
+              <a:rPr lang="en-US" altLang="ja-JP" dirty="0"/>
               <a:t>25</a:t>
             </a:r>
             <a:r>
-              <a:rPr lang="ja-JP" altLang="en-US" dirty="0" smtClean="0"/>
+              <a:rPr lang="ja-JP" altLang="en-US" dirty="0"/>
               <a:t>から</a:t>
             </a:r>
             <a:r>
-              <a:rPr lang="en-US" altLang="ja-JP" dirty="0" smtClean="0"/>
+              <a:rPr lang="en-US" altLang="ja-JP" dirty="0"/>
               <a:t>20</a:t>
             </a:r>
             <a:r>
-              <a:rPr lang="ja-JP" altLang="en-US" dirty="0" smtClean="0"/>
+              <a:rPr lang="ja-JP" altLang="en-US" dirty="0"/>
               <a:t>（刻み幅</a:t>
             </a:r>
             <a:r>
-              <a:rPr lang="en-US" altLang="ja-JP" dirty="0" smtClean="0"/>
+              <a:rPr lang="en-US" altLang="ja-JP" dirty="0"/>
               <a:t>5</a:t>
             </a:r>
             <a:r>
-              <a:rPr lang="ja-JP" altLang="en-US" dirty="0" smtClean="0"/>
+              <a:rPr lang="ja-JP" altLang="en-US" dirty="0"/>
               <a:t>）</a:t>
             </a:r>
-            <a:endParaRPr lang="en-US" altLang="ja-JP" dirty="0" smtClean="0"/>
-          </a:p>
-          <a:p>
-            <a:endParaRPr kumimoji="1" lang="en-US" altLang="ja-JP" dirty="0" smtClean="0"/>
+            <a:endParaRPr lang="en-US" altLang="ja-JP" dirty="0"/>
+          </a:p>
+          <a:p>
+            <a:endParaRPr kumimoji="1" lang="en-US" altLang="ja-JP" dirty="0"/>
           </a:p>
           <a:p>
             <a:pPr>
@@ -5119,11 +5115,11 @@
               <a:buChar char="Ø"/>
             </a:pPr>
             <a:r>
-              <a:rPr lang="ja-JP" altLang="en-US" dirty="0" smtClean="0"/>
+              <a:rPr lang="ja-JP" altLang="en-US" dirty="0"/>
               <a:t>実行時間</a:t>
             </a:r>
             <a:r>
-              <a:rPr lang="en-US" altLang="ja-JP" dirty="0" smtClean="0"/>
+              <a:rPr lang="en-US" altLang="ja-JP" dirty="0"/>
               <a:t>:823sec</a:t>
             </a:r>
           </a:p>
@@ -5132,28 +5128,24 @@
               <a:buNone/>
             </a:pPr>
             <a:r>
-              <a:rPr lang="en-US" altLang="ja-JP" dirty="0" smtClean="0"/>
+              <a:rPr lang="en-US" altLang="ja-JP" dirty="0"/>
               <a:t>(</a:t>
             </a:r>
             <a:r>
-              <a:rPr lang="ja-JP" altLang="en-US" dirty="0" smtClean="0"/>
+              <a:rPr lang="ja-JP" altLang="en-US" dirty="0"/>
               <a:t>使用データ</a:t>
             </a:r>
             <a:r>
-              <a:rPr lang="en-US" altLang="ja-JP" dirty="0" smtClean="0"/>
+              <a:rPr lang="en-US" altLang="ja-JP" dirty="0"/>
               <a:t>:</a:t>
             </a:r>
             <a:r>
-              <a:rPr lang="en-US" altLang="ja-JP" dirty="0" err="1" smtClean="0"/>
+              <a:rPr lang="en-US" altLang="ja-JP" dirty="0" err="1"/>
               <a:t>usagi.ppm</a:t>
             </a:r>
             <a:r>
               <a:rPr lang="en-US" altLang="ja-JP" dirty="0"/>
-              <a:t>, </a:t>
-            </a:r>
-            <a:r>
-              <a:rPr lang="en-US" altLang="ja-JP" dirty="0" smtClean="0"/>
-              <a:t>class3_b1_n0_1.ppm)</a:t>
+              <a:t>, class3_b1_n0_1.ppm)</a:t>
             </a:r>
             <a:endParaRPr kumimoji="1" lang="ja-JP" altLang="en-US" dirty="0"/>
           </a:p>
@@ -5205,10 +5197,9 @@
           <a:lstStyle/>
           <a:p>
             <a:r>
-              <a:rPr kumimoji="1" lang="ja-JP" altLang="en-US" dirty="0" smtClean="0"/>
+              <a:rPr kumimoji="1" lang="ja-JP" altLang="en-US" dirty="0"/>
               <a:t>実装仕様（探索アルゴリズム）</a:t>
             </a:r>
-            <a:endParaRPr kumimoji="1" lang="ja-JP" altLang="en-US" dirty="0"/>
           </a:p>
         </p:txBody>
       </p:sp>
@@ -5236,15 +5227,15 @@
               <a:buNone/>
             </a:pPr>
             <a:r>
-              <a:rPr kumimoji="1" lang="en-US" altLang="ja-JP" dirty="0" smtClean="0"/>
+              <a:rPr kumimoji="1" lang="en-US" altLang="ja-JP" dirty="0"/>
               <a:t>[</a:t>
             </a:r>
             <a:r>
-              <a:rPr kumimoji="1" lang="ja-JP" altLang="en-US" dirty="0" smtClean="0"/>
+              <a:rPr kumimoji="1" lang="ja-JP" altLang="en-US" dirty="0"/>
               <a:t>主な工夫点</a:t>
             </a:r>
             <a:r>
-              <a:rPr kumimoji="1" lang="en-US" altLang="ja-JP" dirty="0" smtClean="0"/>
+              <a:rPr kumimoji="1" lang="en-US" altLang="ja-JP" dirty="0"/>
               <a:t>]</a:t>
             </a:r>
           </a:p>
@@ -5254,28 +5245,28 @@
               <a:buAutoNum type="arabicPeriod"/>
             </a:pPr>
             <a:r>
-              <a:rPr kumimoji="1" lang="ja-JP" altLang="en-US" dirty="0" smtClean="0"/>
+              <a:rPr kumimoji="1" lang="ja-JP" altLang="en-US" dirty="0"/>
               <a:t>探索する範囲を制限</a:t>
             </a:r>
-            <a:endParaRPr kumimoji="1" lang="en-US" altLang="ja-JP" dirty="0" smtClean="0"/>
+            <a:endParaRPr kumimoji="1" lang="en-US" altLang="ja-JP" dirty="0"/>
           </a:p>
           <a:p>
             <a:pPr lvl="1"/>
             <a:r>
-              <a:rPr lang="ja-JP" altLang="en-US" dirty="0" smtClean="0"/>
+              <a:rPr lang="ja-JP" altLang="en-US" dirty="0"/>
               <a:t>枠内での探索</a:t>
             </a:r>
-            <a:endParaRPr lang="en-US" altLang="ja-JP" dirty="0" smtClean="0"/>
+            <a:endParaRPr lang="en-US" altLang="ja-JP" dirty="0"/>
           </a:p>
           <a:p>
             <a:pPr lvl="1"/>
-            <a:endParaRPr kumimoji="1" lang="en-US" altLang="ja-JP" dirty="0" smtClean="0"/>
+            <a:endParaRPr kumimoji="1" lang="en-US" altLang="ja-JP" dirty="0"/>
           </a:p>
           <a:p>
             <a:pPr marL="457200" lvl="1" indent="0">
               <a:buNone/>
             </a:pPr>
-            <a:endParaRPr kumimoji="1" lang="en-US" altLang="ja-JP" dirty="0" smtClean="0"/>
+            <a:endParaRPr kumimoji="1" lang="en-US" altLang="ja-JP" dirty="0"/>
           </a:p>
           <a:p>
             <a:pPr lvl="1"/>
@@ -5306,18 +5297,18 @@
           <a:lstStyle/>
           <a:p>
             <a:r>
-              <a:rPr kumimoji="1" lang="ja-JP" altLang="en-US" sz="2400" dirty="0" smtClean="0"/>
+              <a:rPr kumimoji="1" lang="ja-JP" altLang="en-US" sz="2400" dirty="0"/>
               <a:t>全探索における</a:t>
             </a:r>
             <a:r>
-              <a:rPr lang="ja-JP" altLang="en-US" sz="2400" dirty="0" smtClean="0"/>
+              <a:rPr lang="ja-JP" altLang="en-US" sz="2400" dirty="0"/>
               <a:t>実行時間</a:t>
             </a:r>
             <a:r>
-              <a:rPr kumimoji="1" lang="ja-JP" altLang="en-US" sz="2400" dirty="0" smtClean="0"/>
+              <a:rPr kumimoji="1" lang="ja-JP" altLang="en-US" sz="2400" dirty="0"/>
               <a:t>が減った．</a:t>
             </a:r>
-            <a:endParaRPr kumimoji="1" lang="en-US" altLang="ja-JP" sz="2400" dirty="0" smtClean="0"/>
+            <a:endParaRPr kumimoji="1" lang="en-US" altLang="ja-JP" sz="2400" dirty="0"/>
           </a:p>
           <a:p>
             <a:pPr marL="285750" indent="-285750">
@@ -5325,15 +5316,15 @@
               <a:buChar char="Ø"/>
             </a:pPr>
             <a:r>
-              <a:rPr lang="en-US" altLang="ja-JP" sz="2400" dirty="0" smtClean="0"/>
+              <a:rPr lang="en-US" altLang="ja-JP" sz="2400" dirty="0"/>
               <a:t>823sec</a:t>
             </a:r>
             <a:r>
-              <a:rPr lang="ja-JP" altLang="en-US" sz="2400" dirty="0" smtClean="0"/>
+              <a:rPr lang="ja-JP" altLang="en-US" sz="2400" dirty="0"/>
               <a:t>→</a:t>
             </a:r>
             <a:r>
-              <a:rPr lang="en-US" altLang="ja-JP" sz="2400" dirty="0" smtClean="0"/>
+              <a:rPr lang="en-US" altLang="ja-JP" sz="2400" dirty="0"/>
               <a:t>144sec</a:t>
             </a:r>
             <a:endParaRPr kumimoji="1" lang="ja-JP" altLang="en-US" sz="2400" dirty="0"/>
@@ -5380,13 +5371,6 @@
   <p:clrMapOvr>
     <a:masterClrMapping/>
   </p:clrMapOvr>
-  <p:timing>
-    <p:tnLst>
-      <p:par>
-        <p:cTn id="1" dur="indefinite" restart="never" nodeType="tmRoot"/>
-      </p:par>
-    </p:tnLst>
-  </p:timing>
 </p:sld>
 </file>
 
@@ -5423,10 +5407,9 @@
           <a:lstStyle/>
           <a:p>
             <a:r>
-              <a:rPr kumimoji="1" lang="ja-JP" altLang="en-US" dirty="0" smtClean="0"/>
+              <a:rPr kumimoji="1" lang="ja-JP" altLang="en-US" dirty="0"/>
               <a:t>実装仕様（探索アルゴリズム）</a:t>
             </a:r>
-            <a:endParaRPr kumimoji="1" lang="ja-JP" altLang="en-US" dirty="0"/>
           </a:p>
         </p:txBody>
       </p:sp>
@@ -5454,15 +5437,15 @@
               <a:buNone/>
             </a:pPr>
             <a:r>
-              <a:rPr kumimoji="1" lang="en-US" altLang="ja-JP" dirty="0" smtClean="0"/>
+              <a:rPr kumimoji="1" lang="en-US" altLang="ja-JP" dirty="0"/>
               <a:t>[</a:t>
             </a:r>
             <a:r>
-              <a:rPr kumimoji="1" lang="ja-JP" altLang="en-US" dirty="0" smtClean="0"/>
+              <a:rPr kumimoji="1" lang="ja-JP" altLang="en-US" dirty="0"/>
               <a:t>主な工夫点</a:t>
             </a:r>
             <a:r>
-              <a:rPr kumimoji="1" lang="en-US" altLang="ja-JP" dirty="0" smtClean="0"/>
+              <a:rPr kumimoji="1" lang="en-US" altLang="ja-JP" dirty="0"/>
               <a:t>]</a:t>
             </a:r>
           </a:p>
@@ -5472,24 +5455,24 @@
               <a:buAutoNum type="arabicPeriod" startAt="2"/>
             </a:pPr>
             <a:r>
-              <a:rPr kumimoji="1" lang="ja-JP" altLang="en-US" dirty="0" smtClean="0"/>
+              <a:rPr kumimoji="1" lang="ja-JP" altLang="en-US" dirty="0"/>
               <a:t>探索する範囲を制限</a:t>
             </a:r>
-            <a:endParaRPr lang="en-US" altLang="ja-JP" dirty="0" smtClean="0"/>
+            <a:endParaRPr lang="en-US" altLang="ja-JP" dirty="0"/>
           </a:p>
           <a:p>
             <a:pPr lvl="1"/>
             <a:r>
-              <a:rPr kumimoji="1" lang="ja-JP" altLang="en-US" dirty="0" smtClean="0"/>
+              <a:rPr kumimoji="1" lang="ja-JP" altLang="en-US" dirty="0"/>
               <a:t>大体の範囲を特定し，その周辺を探索</a:t>
             </a:r>
-            <a:endParaRPr kumimoji="1" lang="en-US" altLang="ja-JP" dirty="0" smtClean="0"/>
+            <a:endParaRPr kumimoji="1" lang="en-US" altLang="ja-JP" dirty="0"/>
           </a:p>
           <a:p>
             <a:pPr marL="457200" lvl="1" indent="0">
               <a:buNone/>
             </a:pPr>
-            <a:endParaRPr kumimoji="1" lang="en-US" altLang="ja-JP" dirty="0" smtClean="0"/>
+            <a:endParaRPr kumimoji="1" lang="en-US" altLang="ja-JP" dirty="0"/>
           </a:p>
           <a:p>
             <a:pPr lvl="1"/>
@@ -5523,37 +5506,24 @@
           <a:lstStyle/>
           <a:p>
             <a:r>
-              <a:rPr kumimoji="1" lang="ja-JP" altLang="en-US" sz="2000" dirty="0" smtClean="0"/>
+              <a:rPr kumimoji="1" lang="ja-JP" altLang="en-US" sz="2000" dirty="0"/>
               <a:t>①</a:t>
             </a:r>
             <a:r>
               <a:rPr lang="ja-JP" altLang="en-US" sz="2000" dirty="0"/>
-              <a:t>探索画像の大体の位置を特定</a:t>
-            </a:r>
-            <a:r>
-              <a:rPr lang="ja-JP" altLang="en-US" sz="2000" dirty="0" smtClean="0"/>
-              <a:t>．</a:t>
-            </a:r>
-            <a:endParaRPr lang="en-US" altLang="ja-JP" sz="2000" dirty="0" smtClean="0"/>
-          </a:p>
-          <a:p>
-            <a:r>
-              <a:rPr lang="ja-JP" altLang="en-US" sz="2000" dirty="0" smtClean="0"/>
-              <a:t>（</a:t>
-            </a:r>
+              <a:t>探索画像の大体の位置を特定．</a:t>
+            </a:r>
+            <a:endParaRPr lang="en-US" altLang="ja-JP" sz="2000" dirty="0"/>
+          </a:p>
+          <a:p>
             <a:r>
               <a:rPr lang="ja-JP" altLang="en-US" sz="2000" dirty="0"/>
-              <a:t>拡大縮小なし，回転なし</a:t>
-            </a:r>
-            <a:r>
-              <a:rPr lang="ja-JP" altLang="en-US" sz="2000" dirty="0" smtClean="0"/>
-              <a:t>で全探索．</a:t>
-            </a:r>
-            <a:r>
-              <a:rPr kumimoji="1" lang="ja-JP" altLang="en-US" sz="2000" dirty="0" smtClean="0"/>
+              <a:t>（拡大縮小なし，回転なしで全探索．</a:t>
+            </a:r>
+            <a:r>
+              <a:rPr kumimoji="1" lang="ja-JP" altLang="en-US" sz="2000" dirty="0"/>
               <a:t>）</a:t>
             </a:r>
-            <a:endParaRPr kumimoji="1" lang="ja-JP" altLang="en-US" sz="2000" dirty="0"/>
           </a:p>
         </p:txBody>
       </p:sp>
@@ -5580,29 +5550,29 @@
           <a:lstStyle/>
           <a:p>
             <a:r>
-              <a:rPr kumimoji="1" lang="ja-JP" altLang="en-US" sz="2000" dirty="0" smtClean="0"/>
+              <a:rPr kumimoji="1" lang="ja-JP" altLang="en-US" sz="2000" dirty="0"/>
               <a:t>②大体の位置（図中の赤点）の</a:t>
             </a:r>
-            <a:endParaRPr kumimoji="1" lang="en-US" altLang="ja-JP" sz="2000" dirty="0" smtClean="0"/>
-          </a:p>
-          <a:p>
-            <a:r>
-              <a:rPr kumimoji="1" lang="ja-JP" altLang="en-US" sz="2000" dirty="0" smtClean="0"/>
+            <a:endParaRPr kumimoji="1" lang="en-US" altLang="ja-JP" sz="2000" dirty="0"/>
+          </a:p>
+          <a:p>
+            <a:r>
+              <a:rPr kumimoji="1" lang="ja-JP" altLang="en-US" sz="2000" dirty="0"/>
               <a:t>上下左右</a:t>
             </a:r>
             <a:r>
-              <a:rPr kumimoji="1" lang="en-US" altLang="ja-JP" sz="2000" dirty="0" smtClean="0"/>
+              <a:rPr kumimoji="1" lang="en-US" altLang="ja-JP" sz="2000" dirty="0"/>
               <a:t>N</a:t>
             </a:r>
             <a:r>
-              <a:rPr kumimoji="1" lang="ja-JP" altLang="en-US" sz="2000" dirty="0" smtClean="0"/>
+              <a:rPr kumimoji="1" lang="ja-JP" altLang="en-US" sz="2000" dirty="0"/>
               <a:t>ピクセル分に探索範囲を制限し，全探索する．</a:t>
             </a:r>
             <a:r>
-              <a:rPr lang="en-US" altLang="ja-JP" sz="2000" dirty="0" smtClean="0"/>
+              <a:rPr lang="en-US" altLang="ja-JP" sz="2000" dirty="0"/>
               <a:t>(N=20)</a:t>
             </a:r>
-            <a:endParaRPr kumimoji="1" lang="en-US" altLang="ja-JP" sz="2000" dirty="0" smtClean="0"/>
+            <a:endParaRPr kumimoji="1" lang="en-US" altLang="ja-JP" sz="2000" dirty="0"/>
           </a:p>
         </p:txBody>
       </p:sp>
@@ -5629,18 +5599,18 @@
           <a:lstStyle/>
           <a:p>
             <a:r>
-              <a:rPr kumimoji="1" lang="ja-JP" altLang="en-US" sz="2400" dirty="0" smtClean="0"/>
+              <a:rPr kumimoji="1" lang="ja-JP" altLang="en-US" sz="2400" dirty="0"/>
               <a:t>全探索における</a:t>
             </a:r>
             <a:r>
-              <a:rPr lang="ja-JP" altLang="en-US" sz="2400" dirty="0" smtClean="0"/>
+              <a:rPr lang="ja-JP" altLang="en-US" sz="2400" dirty="0"/>
               <a:t>実行時間</a:t>
             </a:r>
             <a:r>
-              <a:rPr kumimoji="1" lang="ja-JP" altLang="en-US" sz="2400" dirty="0" smtClean="0"/>
+              <a:rPr kumimoji="1" lang="ja-JP" altLang="en-US" sz="2400" dirty="0"/>
               <a:t>が減った．</a:t>
             </a:r>
-            <a:endParaRPr kumimoji="1" lang="en-US" altLang="ja-JP" sz="2400" dirty="0" smtClean="0"/>
+            <a:endParaRPr kumimoji="1" lang="en-US" altLang="ja-JP" sz="2400" dirty="0"/>
           </a:p>
           <a:p>
             <a:pPr marL="285750" indent="-285750">
@@ -5648,15 +5618,15 @@
               <a:buChar char="Ø"/>
             </a:pPr>
             <a:r>
-              <a:rPr lang="en-US" altLang="ja-JP" sz="2400" dirty="0" smtClean="0"/>
+              <a:rPr lang="en-US" altLang="ja-JP" sz="2400" dirty="0"/>
               <a:t>144.79sec</a:t>
             </a:r>
             <a:r>
-              <a:rPr lang="ja-JP" altLang="en-US" sz="2400" dirty="0" smtClean="0"/>
+              <a:rPr lang="ja-JP" altLang="en-US" sz="2400" dirty="0"/>
               <a:t>→</a:t>
             </a:r>
             <a:r>
-              <a:rPr lang="en-US" altLang="ja-JP" sz="2400" dirty="0" smtClean="0"/>
+              <a:rPr lang="en-US" altLang="ja-JP" sz="2400" dirty="0"/>
               <a:t>15.10sec</a:t>
             </a:r>
             <a:endParaRPr kumimoji="1" lang="ja-JP" altLang="en-US" sz="2400" dirty="0"/>
@@ -5703,13 +5673,6 @@
   <p:clrMapOvr>
     <a:masterClrMapping/>
   </p:clrMapOvr>
-  <p:timing>
-    <p:tnLst>
-      <p:par>
-        <p:cTn id="1" dur="indefinite" restart="never" nodeType="tmRoot"/>
-      </p:par>
-    </p:tnLst>
-  </p:timing>
 </p:sld>
 </file>
 
@@ -5746,14 +5709,13 @@
           <a:lstStyle/>
           <a:p>
             <a:r>
-              <a:rPr lang="ja-JP" altLang="en-US" dirty="0" smtClean="0"/>
+              <a:rPr lang="ja-JP" altLang="en-US" dirty="0"/>
               <a:t>今後の方針</a:t>
             </a:r>
             <a:r>
-              <a:rPr kumimoji="1" lang="ja-JP" altLang="en-US" dirty="0" smtClean="0"/>
+              <a:rPr kumimoji="1" lang="ja-JP" altLang="en-US" dirty="0"/>
               <a:t>（探索アルゴリズム）</a:t>
             </a:r>
-            <a:endParaRPr kumimoji="1" lang="ja-JP" altLang="en-US" dirty="0"/>
           </a:p>
         </p:txBody>
       </p:sp>
@@ -5780,22 +5742,18 @@
           <a:lstStyle/>
           <a:p>
             <a:r>
-              <a:rPr kumimoji="1" lang="ja-JP" altLang="en-US" sz="2400" dirty="0" smtClean="0"/>
-              <a:t>現状</a:t>
-            </a:r>
-            <a:r>
-              <a:rPr kumimoji="1" lang="ja-JP" altLang="en-US" sz="2400" dirty="0" smtClean="0"/>
-              <a:t>，レベル</a:t>
-            </a:r>
-            <a:r>
-              <a:rPr kumimoji="1" lang="en-US" altLang="ja-JP" sz="2400" dirty="0" smtClean="0"/>
+              <a:rPr kumimoji="1" lang="ja-JP" altLang="en-US" sz="2400" dirty="0"/>
+              <a:t>現状，レベル</a:t>
+            </a:r>
+            <a:r>
+              <a:rPr kumimoji="1" lang="en-US" altLang="ja-JP" sz="2400" dirty="0"/>
               <a:t>3</a:t>
             </a:r>
             <a:r>
-              <a:rPr lang="ja-JP" altLang="en-US" sz="2400" dirty="0" smtClean="0"/>
+              <a:rPr lang="ja-JP" altLang="en-US" sz="2400" dirty="0"/>
               <a:t>のオクルージョン以外に対応．</a:t>
             </a:r>
-            <a:endParaRPr lang="en-US" altLang="ja-JP" sz="2400" dirty="0" smtClean="0"/>
+            <a:endParaRPr lang="en-US" altLang="ja-JP" sz="2400" dirty="0"/>
           </a:p>
           <a:p>
             <a:pPr>
@@ -5803,48 +5761,30 @@
               <a:buChar char="Ø"/>
             </a:pPr>
             <a:r>
-              <a:rPr kumimoji="1" lang="en-US" altLang="ja-JP" sz="2400" dirty="0" smtClean="0"/>
+              <a:rPr kumimoji="1" lang="en-US" altLang="ja-JP" sz="2400" dirty="0"/>
               <a:t>usamimi2</a:t>
             </a:r>
             <a:r>
-              <a:rPr kumimoji="1" lang="ja-JP" altLang="en-US" sz="2400" dirty="0" smtClean="0"/>
+              <a:rPr kumimoji="1" lang="ja-JP" altLang="en-US" sz="2400" dirty="0"/>
               <a:t>，</a:t>
             </a:r>
             <a:r>
-              <a:rPr lang="en-US" altLang="ja-JP" sz="2400" dirty="0" err="1" smtClean="0"/>
+              <a:rPr lang="en-US" altLang="ja-JP" sz="2400" dirty="0" err="1"/>
               <a:t>pengin</a:t>
             </a:r>
             <a:r>
-              <a:rPr lang="ja-JP" altLang="en-US" sz="2400" dirty="0" smtClean="0"/>
+              <a:rPr lang="ja-JP" altLang="en-US" sz="2400" dirty="0"/>
               <a:t>，</a:t>
             </a:r>
             <a:r>
-              <a:rPr lang="en-US" altLang="ja-JP" sz="2400" dirty="0" err="1" smtClean="0"/>
+              <a:rPr lang="en-US" altLang="ja-JP" sz="2400" dirty="0" err="1"/>
               <a:t>saru</a:t>
             </a:r>
             <a:r>
-              <a:rPr lang="ja-JP" altLang="en-US" sz="2400" dirty="0" smtClean="0"/>
+              <a:rPr lang="ja-JP" altLang="en-US" sz="2400" dirty="0"/>
               <a:t>に弱い．</a:t>
             </a:r>
-            <a:endParaRPr lang="en-US" altLang="ja-JP" sz="2400" dirty="0" smtClean="0"/>
-          </a:p>
-          <a:p>
-            <a:pPr marL="0" indent="0">
-              <a:buNone/>
-            </a:pPr>
-            <a:endParaRPr lang="en-US" altLang="ja-JP" sz="2400" dirty="0" smtClean="0"/>
-          </a:p>
-          <a:p>
-            <a:pPr marL="0" indent="0">
-              <a:buNone/>
-            </a:pPr>
-            <a:endParaRPr kumimoji="1" lang="en-US" altLang="ja-JP" sz="2400" dirty="0" smtClean="0"/>
-          </a:p>
-          <a:p>
-            <a:pPr marL="0" indent="0">
-              <a:buNone/>
-            </a:pPr>
-            <a:endParaRPr lang="en-US" altLang="ja-JP" sz="2400" dirty="0" smtClean="0"/>
+            <a:endParaRPr lang="en-US" altLang="ja-JP" sz="2400" dirty="0"/>
           </a:p>
           <a:p>
             <a:pPr marL="0" indent="0">
@@ -5856,30 +5796,48 @@
             <a:pPr marL="0" indent="0">
               <a:buNone/>
             </a:pPr>
-            <a:r>
-              <a:rPr kumimoji="1" lang="en-US" altLang="ja-JP" sz="2400" dirty="0" smtClean="0"/>
+            <a:endParaRPr kumimoji="1" lang="en-US" altLang="ja-JP" sz="2400" dirty="0"/>
+          </a:p>
+          <a:p>
+            <a:pPr marL="0" indent="0">
+              <a:buNone/>
+            </a:pPr>
+            <a:endParaRPr lang="en-US" altLang="ja-JP" sz="2400" dirty="0"/>
+          </a:p>
+          <a:p>
+            <a:pPr marL="0" indent="0">
+              <a:buNone/>
+            </a:pPr>
+            <a:endParaRPr lang="en-US" altLang="ja-JP" sz="2400" dirty="0"/>
+          </a:p>
+          <a:p>
+            <a:pPr marL="0" indent="0">
+              <a:buNone/>
+            </a:pPr>
+            <a:r>
+              <a:rPr kumimoji="1" lang="en-US" altLang="ja-JP" sz="2400" dirty="0"/>
               <a:t>[</a:t>
             </a:r>
             <a:r>
-              <a:rPr kumimoji="1" lang="ja-JP" altLang="en-US" sz="2400" dirty="0" smtClean="0"/>
+              <a:rPr kumimoji="1" lang="ja-JP" altLang="en-US" sz="2400" dirty="0"/>
               <a:t>対応すべき点・</a:t>
             </a:r>
             <a:r>
-              <a:rPr lang="ja-JP" altLang="en-US" sz="2400" dirty="0" smtClean="0"/>
+              <a:rPr lang="ja-JP" altLang="en-US" sz="2400" dirty="0"/>
               <a:t>改良点</a:t>
             </a:r>
             <a:r>
-              <a:rPr lang="en-US" altLang="ja-JP" sz="2400" dirty="0" smtClean="0"/>
+              <a:rPr lang="en-US" altLang="ja-JP" sz="2400" dirty="0"/>
               <a:t>]</a:t>
             </a:r>
           </a:p>
           <a:p>
             <a:r>
-              <a:rPr lang="en-US" altLang="ja-JP" sz="2400" dirty="0" smtClean="0"/>
+              <a:rPr lang="en-US" altLang="ja-JP" sz="2400" dirty="0"/>
               <a:t>2</a:t>
             </a:r>
             <a:r>
-              <a:rPr lang="ja-JP" altLang="en-US" sz="2400" dirty="0" smtClean="0"/>
+              <a:rPr lang="ja-JP" altLang="en-US" sz="2400" dirty="0"/>
               <a:t>画像間の比較手法</a:t>
             </a:r>
             <a:endParaRPr lang="en-US" altLang="ja-JP" sz="2400" dirty="0"/>
@@ -5890,14 +5848,14 @@
               <a:buChar char="Ø"/>
             </a:pPr>
             <a:r>
-              <a:rPr lang="en-US" altLang="ja-JP" dirty="0" smtClean="0"/>
+              <a:rPr lang="en-US" altLang="ja-JP" dirty="0"/>
               <a:t>RGB</a:t>
             </a:r>
             <a:r>
-              <a:rPr lang="ja-JP" altLang="en-US" dirty="0" smtClean="0"/>
+              <a:rPr lang="ja-JP" altLang="en-US" dirty="0"/>
               <a:t>に関するヒストグラムとの誤差をとる等</a:t>
             </a:r>
-            <a:endParaRPr lang="en-US" altLang="ja-JP" dirty="0" smtClean="0"/>
+            <a:endParaRPr lang="en-US" altLang="ja-JP" dirty="0"/>
           </a:p>
           <a:p>
             <a:r>
@@ -5918,10 +5876,10 @@
               <a:buFont typeface="Wingdings" charset="2"/>
               <a:buChar char="Ø"/>
             </a:pPr>
-            <a:endParaRPr lang="en-US" altLang="ja-JP" dirty="0" smtClean="0"/>
-          </a:p>
-          <a:p>
-            <a:endParaRPr kumimoji="1" lang="en-US" altLang="ja-JP" dirty="0" smtClean="0"/>
+            <a:endParaRPr lang="en-US" altLang="ja-JP" dirty="0"/>
+          </a:p>
+          <a:p>
+            <a:endParaRPr kumimoji="1" lang="en-US" altLang="ja-JP" dirty="0"/>
           </a:p>
           <a:p>
             <a:pPr lvl="1"/>
@@ -6068,13 +6026,1044 @@
   <p:clrMapOvr>
     <a:masterClrMapping/>
   </p:clrMapOvr>
-  <p:timing>
-    <p:tnLst>
-      <p:par>
-        <p:cTn id="1" dur="indefinite" restart="never" nodeType="tmRoot"/>
-      </p:par>
-    </p:tnLst>
-  </p:timing>
+</p:sld>
+</file>
+
+<file path=ppt/slides/slide8.xml><?xml version="1.0" encoding="utf-8"?>
+<p:sld xmlns:a="http://schemas.openxmlformats.org/drawingml/2006/main" xmlns:r="http://schemas.openxmlformats.org/officeDocument/2006/relationships" xmlns:p="http://schemas.openxmlformats.org/presentationml/2006/main">
+  <p:cSld>
+    <p:spTree>
+      <p:nvGrpSpPr>
+        <p:cNvPr id="1" name=""/>
+        <p:cNvGrpSpPr/>
+        <p:nvPr/>
+      </p:nvGrpSpPr>
+      <p:grpSpPr>
+        <a:xfrm>
+          <a:off x="0" y="0"/>
+          <a:ext cx="0" cy="0"/>
+          <a:chOff x="0" y="0"/>
+          <a:chExt cx="0" cy="0"/>
+        </a:xfrm>
+      </p:grpSpPr>
+      <p:sp>
+        <p:nvSpPr>
+          <p:cNvPr id="4" name="角丸四角形 3">
+            <a:extLst>
+              <a:ext uri="{FF2B5EF4-FFF2-40B4-BE49-F238E27FC236}">
+                <a16:creationId xmlns:a16="http://schemas.microsoft.com/office/drawing/2014/main" id="{C2D11C65-3A28-C94A-BA2A-3290B2E762B2}"/>
+              </a:ext>
+            </a:extLst>
+          </p:cNvPr>
+          <p:cNvSpPr/>
+          <p:nvPr/>
+        </p:nvSpPr>
+        <p:spPr>
+          <a:xfrm>
+            <a:off x="5873858" y="2394488"/>
+            <a:ext cx="1720312" cy="790413"/>
+          </a:xfrm>
+          <a:prstGeom prst="roundRect">
+            <a:avLst/>
+          </a:prstGeom>
+        </p:spPr>
+        <p:style>
+          <a:lnRef idx="2">
+            <a:schemeClr val="accent1">
+              <a:shade val="50000"/>
+            </a:schemeClr>
+          </a:lnRef>
+          <a:fillRef idx="1">
+            <a:schemeClr val="accent1"/>
+          </a:fillRef>
+          <a:effectRef idx="0">
+            <a:schemeClr val="accent1"/>
+          </a:effectRef>
+          <a:fontRef idx="minor">
+            <a:schemeClr val="lt1"/>
+          </a:fontRef>
+        </p:style>
+        <p:txBody>
+          <a:bodyPr rtlCol="0" anchor="ctr"/>
+          <a:lstStyle/>
+          <a:p>
+            <a:pPr algn="ctr"/>
+            <a:r>
+              <a:rPr kumimoji="1" lang="ja-JP" altLang="en-US" dirty="0">
+                <a:latin typeface="Hiragino Kaku Gothic Pro W3" panose="020B0300000000000000" pitchFamily="34" charset="-128"/>
+                <a:ea typeface="Hiragino Kaku Gothic Pro W3" panose="020B0300000000000000" pitchFamily="34" charset="-128"/>
+              </a:rPr>
+              <a:t>ガウシアン</a:t>
+            </a:r>
+            <a:br>
+              <a:rPr kumimoji="1" lang="en-US" altLang="ja-JP" dirty="0">
+                <a:latin typeface="Hiragino Kaku Gothic Pro W3" panose="020B0300000000000000" pitchFamily="34" charset="-128"/>
+                <a:ea typeface="Hiragino Kaku Gothic Pro W3" panose="020B0300000000000000" pitchFamily="34" charset="-128"/>
+              </a:rPr>
+            </a:br>
+            <a:r>
+              <a:rPr kumimoji="1" lang="ja-JP" altLang="en-US" dirty="0">
+                <a:latin typeface="Hiragino Kaku Gothic Pro W3" panose="020B0300000000000000" pitchFamily="34" charset="-128"/>
+                <a:ea typeface="Hiragino Kaku Gothic Pro W3" panose="020B0300000000000000" pitchFamily="34" charset="-128"/>
+              </a:rPr>
+              <a:t>フィルタ</a:t>
+            </a:r>
+          </a:p>
+        </p:txBody>
+      </p:sp>
+      <p:sp>
+        <p:nvSpPr>
+          <p:cNvPr id="5" name="フローチャート: 書類 4">
+            <a:extLst>
+              <a:ext uri="{FF2B5EF4-FFF2-40B4-BE49-F238E27FC236}">
+                <a16:creationId xmlns:a16="http://schemas.microsoft.com/office/drawing/2014/main" id="{4F26A5BF-A559-F142-815E-F04AF8DD464E}"/>
+              </a:ext>
+            </a:extLst>
+          </p:cNvPr>
+          <p:cNvSpPr/>
+          <p:nvPr/>
+        </p:nvSpPr>
+        <p:spPr>
+          <a:xfrm>
+            <a:off x="5928103" y="1216615"/>
+            <a:ext cx="1611822" cy="883403"/>
+          </a:xfrm>
+          <a:prstGeom prst="flowChartDocument">
+            <a:avLst/>
+          </a:prstGeom>
+        </p:spPr>
+        <p:style>
+          <a:lnRef idx="1">
+            <a:schemeClr val="accent2"/>
+          </a:lnRef>
+          <a:fillRef idx="3">
+            <a:schemeClr val="accent2"/>
+          </a:fillRef>
+          <a:effectRef idx="2">
+            <a:schemeClr val="accent2"/>
+          </a:effectRef>
+          <a:fontRef idx="minor">
+            <a:schemeClr val="lt1"/>
+          </a:fontRef>
+        </p:style>
+        <p:txBody>
+          <a:bodyPr rtlCol="0" anchor="ctr"/>
+          <a:lstStyle/>
+          <a:p>
+            <a:pPr algn="ctr"/>
+            <a:r>
+              <a:rPr kumimoji="1" lang="ja-JP" altLang="en-US" dirty="0">
+                <a:latin typeface="Hiragino Kaku Gothic Pro W3" panose="020B0300000000000000" pitchFamily="34" charset="-128"/>
+                <a:ea typeface="Hiragino Kaku Gothic Pro W3" panose="020B0300000000000000" pitchFamily="34" charset="-128"/>
+              </a:rPr>
+              <a:t>入力画像</a:t>
+            </a:r>
+          </a:p>
+        </p:txBody>
+      </p:sp>
+      <p:sp>
+        <p:nvSpPr>
+          <p:cNvPr id="6" name="フローチャート: 書類 5">
+            <a:extLst>
+              <a:ext uri="{FF2B5EF4-FFF2-40B4-BE49-F238E27FC236}">
+                <a16:creationId xmlns:a16="http://schemas.microsoft.com/office/drawing/2014/main" id="{C4915AEB-17A4-5849-9F11-8C5C7DCE36C1}"/>
+              </a:ext>
+            </a:extLst>
+          </p:cNvPr>
+          <p:cNvSpPr/>
+          <p:nvPr/>
+        </p:nvSpPr>
+        <p:spPr>
+          <a:xfrm>
+            <a:off x="1004806" y="1216616"/>
+            <a:ext cx="2061274" cy="883402"/>
+          </a:xfrm>
+          <a:prstGeom prst="flowChartDocument">
+            <a:avLst/>
+          </a:prstGeom>
+        </p:spPr>
+        <p:style>
+          <a:lnRef idx="1">
+            <a:schemeClr val="accent2"/>
+          </a:lnRef>
+          <a:fillRef idx="3">
+            <a:schemeClr val="accent2"/>
+          </a:fillRef>
+          <a:effectRef idx="2">
+            <a:schemeClr val="accent2"/>
+          </a:effectRef>
+          <a:fontRef idx="minor">
+            <a:schemeClr val="lt1"/>
+          </a:fontRef>
+        </p:style>
+        <p:txBody>
+          <a:bodyPr rtlCol="0" anchor="ctr"/>
+          <a:lstStyle/>
+          <a:p>
+            <a:pPr algn="ctr"/>
+            <a:r>
+              <a:rPr lang="ja-JP" altLang="en-US" dirty="0">
+                <a:latin typeface="Hiragino Kaku Gothic Pro W3" panose="020B0300000000000000" pitchFamily="34" charset="-128"/>
+                <a:ea typeface="Hiragino Kaku Gothic Pro W3" panose="020B0300000000000000" pitchFamily="34" charset="-128"/>
+              </a:rPr>
+              <a:t>テンプレート</a:t>
+            </a:r>
+            <a:r>
+              <a:rPr kumimoji="1" lang="ja-JP" altLang="en-US" dirty="0">
+                <a:latin typeface="Hiragino Kaku Gothic Pro W3" panose="020B0300000000000000" pitchFamily="34" charset="-128"/>
+                <a:ea typeface="Hiragino Kaku Gothic Pro W3" panose="020B0300000000000000" pitchFamily="34" charset="-128"/>
+              </a:rPr>
+              <a:t>画像</a:t>
+            </a:r>
+          </a:p>
+        </p:txBody>
+      </p:sp>
+      <p:sp>
+        <p:nvSpPr>
+          <p:cNvPr id="8" name="角丸四角形 7">
+            <a:extLst>
+              <a:ext uri="{FF2B5EF4-FFF2-40B4-BE49-F238E27FC236}">
+                <a16:creationId xmlns:a16="http://schemas.microsoft.com/office/drawing/2014/main" id="{DBDA740E-5B48-9B43-92E8-AA70C8C884B4}"/>
+              </a:ext>
+            </a:extLst>
+          </p:cNvPr>
+          <p:cNvSpPr/>
+          <p:nvPr/>
+        </p:nvSpPr>
+        <p:spPr>
+          <a:xfrm>
+            <a:off x="3391545" y="2526223"/>
+            <a:ext cx="1691900" cy="526942"/>
+          </a:xfrm>
+          <a:prstGeom prst="roundRect">
+            <a:avLst/>
+          </a:prstGeom>
+        </p:spPr>
+        <p:style>
+          <a:lnRef idx="2">
+            <a:schemeClr val="accent1">
+              <a:shade val="50000"/>
+            </a:schemeClr>
+          </a:lnRef>
+          <a:fillRef idx="1">
+            <a:schemeClr val="accent1"/>
+          </a:fillRef>
+          <a:effectRef idx="0">
+            <a:schemeClr val="accent1"/>
+          </a:effectRef>
+          <a:fontRef idx="minor">
+            <a:schemeClr val="lt1"/>
+          </a:fontRef>
+        </p:style>
+        <p:txBody>
+          <a:bodyPr rtlCol="0" anchor="ctr"/>
+          <a:lstStyle/>
+          <a:p>
+            <a:pPr algn="ctr"/>
+            <a:r>
+              <a:rPr lang="ja-JP" altLang="en-US" dirty="0">
+                <a:latin typeface="Hiragino Kaku Gothic Pro W3" panose="020B0300000000000000" pitchFamily="34" charset="-128"/>
+                <a:ea typeface="Hiragino Kaku Gothic Pro W3" panose="020B0300000000000000" pitchFamily="34" charset="-128"/>
+              </a:rPr>
+              <a:t>大まかな探索</a:t>
+            </a:r>
+            <a:endParaRPr kumimoji="1" lang="ja-JP" altLang="en-US" dirty="0">
+              <a:latin typeface="Hiragino Kaku Gothic Pro W3" panose="020B0300000000000000" pitchFamily="34" charset="-128"/>
+              <a:ea typeface="Hiragino Kaku Gothic Pro W3" panose="020B0300000000000000" pitchFamily="34" charset="-128"/>
+            </a:endParaRPr>
+          </a:p>
+        </p:txBody>
+      </p:sp>
+      <p:sp>
+        <p:nvSpPr>
+          <p:cNvPr id="9" name="角丸四角形 8">
+            <a:extLst>
+              <a:ext uri="{FF2B5EF4-FFF2-40B4-BE49-F238E27FC236}">
+                <a16:creationId xmlns:a16="http://schemas.microsoft.com/office/drawing/2014/main" id="{91FE736C-1964-C64B-B6BB-A9344059C742}"/>
+              </a:ext>
+            </a:extLst>
+          </p:cNvPr>
+          <p:cNvSpPr/>
+          <p:nvPr/>
+        </p:nvSpPr>
+        <p:spPr>
+          <a:xfrm>
+            <a:off x="3391546" y="3859077"/>
+            <a:ext cx="1691900" cy="743919"/>
+          </a:xfrm>
+          <a:prstGeom prst="roundRect">
+            <a:avLst/>
+          </a:prstGeom>
+        </p:spPr>
+        <p:style>
+          <a:lnRef idx="2">
+            <a:schemeClr val="accent1">
+              <a:shade val="50000"/>
+            </a:schemeClr>
+          </a:lnRef>
+          <a:fillRef idx="1">
+            <a:schemeClr val="accent1"/>
+          </a:fillRef>
+          <a:effectRef idx="0">
+            <a:schemeClr val="accent1"/>
+          </a:effectRef>
+          <a:fontRef idx="minor">
+            <a:schemeClr val="lt1"/>
+          </a:fontRef>
+        </p:style>
+        <p:txBody>
+          <a:bodyPr rtlCol="0" anchor="ctr"/>
+          <a:lstStyle/>
+          <a:p>
+            <a:pPr algn="ctr"/>
+            <a:r>
+              <a:rPr lang="ja-JP" altLang="en-US" dirty="0">
+                <a:latin typeface="Hiragino Kaku Gothic Pro W3" panose="020B0300000000000000" pitchFamily="34" charset="-128"/>
+                <a:ea typeface="Hiragino Kaku Gothic Pro W3" panose="020B0300000000000000" pitchFamily="34" charset="-128"/>
+              </a:rPr>
+              <a:t>制限範囲内</a:t>
+            </a:r>
+            <a:br>
+              <a:rPr lang="en-US" altLang="ja-JP" dirty="0">
+                <a:latin typeface="Hiragino Kaku Gothic Pro W3" panose="020B0300000000000000" pitchFamily="34" charset="-128"/>
+                <a:ea typeface="Hiragino Kaku Gothic Pro W3" panose="020B0300000000000000" pitchFamily="34" charset="-128"/>
+              </a:rPr>
+            </a:br>
+            <a:r>
+              <a:rPr lang="ja-JP" altLang="en-US" dirty="0">
+                <a:latin typeface="Hiragino Kaku Gothic Pro W3" panose="020B0300000000000000" pitchFamily="34" charset="-128"/>
+                <a:ea typeface="Hiragino Kaku Gothic Pro W3" panose="020B0300000000000000" pitchFamily="34" charset="-128"/>
+              </a:rPr>
+              <a:t>での探索</a:t>
+            </a:r>
+            <a:endParaRPr kumimoji="1" lang="ja-JP" altLang="en-US" dirty="0">
+              <a:latin typeface="Hiragino Kaku Gothic Pro W3" panose="020B0300000000000000" pitchFamily="34" charset="-128"/>
+              <a:ea typeface="Hiragino Kaku Gothic Pro W3" panose="020B0300000000000000" pitchFamily="34" charset="-128"/>
+            </a:endParaRPr>
+          </a:p>
+        </p:txBody>
+      </p:sp>
+      <p:cxnSp>
+        <p:nvCxnSpPr>
+          <p:cNvPr id="11" name="直線矢印コネクタ 10">
+            <a:extLst>
+              <a:ext uri="{FF2B5EF4-FFF2-40B4-BE49-F238E27FC236}">
+                <a16:creationId xmlns:a16="http://schemas.microsoft.com/office/drawing/2014/main" id="{C177BE6B-F9EC-A14C-8FF1-ACA171947F99}"/>
+              </a:ext>
+            </a:extLst>
+          </p:cNvPr>
+          <p:cNvCxnSpPr>
+            <a:stCxn id="5" idx="2"/>
+            <a:endCxn id="4" idx="0"/>
+          </p:cNvCxnSpPr>
+          <p:nvPr/>
+        </p:nvCxnSpPr>
+        <p:spPr>
+          <a:xfrm>
+            <a:off x="6734014" y="2041615"/>
+            <a:ext cx="0" cy="352873"/>
+          </a:xfrm>
+          <a:prstGeom prst="straightConnector1">
+            <a:avLst/>
+          </a:prstGeom>
+          <a:ln w="76200">
+            <a:tailEnd type="triangle"/>
+          </a:ln>
+        </p:spPr>
+        <p:style>
+          <a:lnRef idx="3">
+            <a:schemeClr val="dk1"/>
+          </a:lnRef>
+          <a:fillRef idx="0">
+            <a:schemeClr val="dk1"/>
+          </a:fillRef>
+          <a:effectRef idx="2">
+            <a:schemeClr val="dk1"/>
+          </a:effectRef>
+          <a:fontRef idx="minor">
+            <a:schemeClr val="tx1"/>
+          </a:fontRef>
+        </p:style>
+      </p:cxnSp>
+      <p:cxnSp>
+        <p:nvCxnSpPr>
+          <p:cNvPr id="12" name="直線矢印コネクタ 11">
+            <a:extLst>
+              <a:ext uri="{FF2B5EF4-FFF2-40B4-BE49-F238E27FC236}">
+                <a16:creationId xmlns:a16="http://schemas.microsoft.com/office/drawing/2014/main" id="{5220FBEE-CD00-1644-9EDC-37048C1D45C0}"/>
+              </a:ext>
+            </a:extLst>
+          </p:cNvPr>
+          <p:cNvCxnSpPr>
+            <a:cxnSpLocks/>
+            <a:stCxn id="4" idx="1"/>
+            <a:endCxn id="8" idx="3"/>
+          </p:cNvCxnSpPr>
+          <p:nvPr/>
+        </p:nvCxnSpPr>
+        <p:spPr>
+          <a:xfrm flipH="1" flipV="1">
+            <a:off x="5083445" y="2789694"/>
+            <a:ext cx="790413" cy="1"/>
+          </a:xfrm>
+          <a:prstGeom prst="straightConnector1">
+            <a:avLst/>
+          </a:prstGeom>
+          <a:ln w="76200">
+            <a:tailEnd type="triangle"/>
+          </a:ln>
+        </p:spPr>
+        <p:style>
+          <a:lnRef idx="3">
+            <a:schemeClr val="dk1"/>
+          </a:lnRef>
+          <a:fillRef idx="0">
+            <a:schemeClr val="dk1"/>
+          </a:fillRef>
+          <a:effectRef idx="2">
+            <a:schemeClr val="dk1"/>
+          </a:effectRef>
+          <a:fontRef idx="minor">
+            <a:schemeClr val="tx1"/>
+          </a:fontRef>
+        </p:style>
+      </p:cxnSp>
+      <p:cxnSp>
+        <p:nvCxnSpPr>
+          <p:cNvPr id="15" name="直線矢印コネクタ 14">
+            <a:extLst>
+              <a:ext uri="{FF2B5EF4-FFF2-40B4-BE49-F238E27FC236}">
+                <a16:creationId xmlns:a16="http://schemas.microsoft.com/office/drawing/2014/main" id="{AA5BA703-0CF9-8141-8187-265D384FDF9B}"/>
+              </a:ext>
+            </a:extLst>
+          </p:cNvPr>
+          <p:cNvCxnSpPr>
+            <a:cxnSpLocks/>
+            <a:endCxn id="8" idx="1"/>
+          </p:cNvCxnSpPr>
+          <p:nvPr/>
+        </p:nvCxnSpPr>
+        <p:spPr>
+          <a:xfrm>
+            <a:off x="2065468" y="2789694"/>
+            <a:ext cx="1326077" cy="0"/>
+          </a:xfrm>
+          <a:prstGeom prst="straightConnector1">
+            <a:avLst/>
+          </a:prstGeom>
+          <a:ln w="76200">
+            <a:tailEnd type="triangle"/>
+          </a:ln>
+        </p:spPr>
+        <p:style>
+          <a:lnRef idx="3">
+            <a:schemeClr val="dk1"/>
+          </a:lnRef>
+          <a:fillRef idx="0">
+            <a:schemeClr val="dk1"/>
+          </a:fillRef>
+          <a:effectRef idx="2">
+            <a:schemeClr val="dk1"/>
+          </a:effectRef>
+          <a:fontRef idx="minor">
+            <a:schemeClr val="tx1"/>
+          </a:fontRef>
+        </p:style>
+      </p:cxnSp>
+      <p:cxnSp>
+        <p:nvCxnSpPr>
+          <p:cNvPr id="18" name="直線矢印コネクタ 17">
+            <a:extLst>
+              <a:ext uri="{FF2B5EF4-FFF2-40B4-BE49-F238E27FC236}">
+                <a16:creationId xmlns:a16="http://schemas.microsoft.com/office/drawing/2014/main" id="{A7D9CB4B-AD4A-EA40-BD5C-242F70B17A48}"/>
+              </a:ext>
+            </a:extLst>
+          </p:cNvPr>
+          <p:cNvCxnSpPr>
+            <a:cxnSpLocks/>
+            <a:stCxn id="8" idx="2"/>
+            <a:endCxn id="9" idx="0"/>
+          </p:cNvCxnSpPr>
+          <p:nvPr/>
+        </p:nvCxnSpPr>
+        <p:spPr>
+          <a:xfrm>
+            <a:off x="4237495" y="3053165"/>
+            <a:ext cx="1" cy="805912"/>
+          </a:xfrm>
+          <a:prstGeom prst="straightConnector1">
+            <a:avLst/>
+          </a:prstGeom>
+          <a:ln w="76200">
+            <a:tailEnd type="triangle"/>
+          </a:ln>
+        </p:spPr>
+        <p:style>
+          <a:lnRef idx="3">
+            <a:schemeClr val="dk1"/>
+          </a:lnRef>
+          <a:fillRef idx="0">
+            <a:schemeClr val="dk1"/>
+          </a:fillRef>
+          <a:effectRef idx="2">
+            <a:schemeClr val="dk1"/>
+          </a:effectRef>
+          <a:fontRef idx="minor">
+            <a:schemeClr val="tx1"/>
+          </a:fontRef>
+        </p:style>
+      </p:cxnSp>
+      <p:sp>
+        <p:nvSpPr>
+          <p:cNvPr id="21" name="テキスト ボックス 20">
+            <a:extLst>
+              <a:ext uri="{FF2B5EF4-FFF2-40B4-BE49-F238E27FC236}">
+                <a16:creationId xmlns:a16="http://schemas.microsoft.com/office/drawing/2014/main" id="{484FEF40-D4E0-BD4A-A178-1A2BB643138D}"/>
+              </a:ext>
+            </a:extLst>
+          </p:cNvPr>
+          <p:cNvSpPr txBox="1"/>
+          <p:nvPr/>
+        </p:nvSpPr>
+        <p:spPr>
+          <a:xfrm>
+            <a:off x="4223290" y="3158116"/>
+            <a:ext cx="1559859" cy="646331"/>
+          </a:xfrm>
+          <a:prstGeom prst="rect">
+            <a:avLst/>
+          </a:prstGeom>
+          <a:noFill/>
+        </p:spPr>
+        <p:txBody>
+          <a:bodyPr wrap="square" rtlCol="0">
+            <a:spAutoFit/>
+          </a:bodyPr>
+          <a:lstStyle/>
+          <a:p>
+            <a:pPr algn="ctr"/>
+            <a:r>
+              <a:rPr kumimoji="1" lang="ja-JP" altLang="en-US" dirty="0">
+                <a:latin typeface="Hiragino Kaku Gothic Pro W3" panose="020B0300000000000000" pitchFamily="34" charset="-128"/>
+                <a:ea typeface="Hiragino Kaku Gothic Pro W3" panose="020B0300000000000000" pitchFamily="34" charset="-128"/>
+              </a:rPr>
+              <a:t>大体の位置を</a:t>
+            </a:r>
+            <a:br>
+              <a:rPr kumimoji="1" lang="en-US" altLang="ja-JP" dirty="0">
+                <a:latin typeface="Hiragino Kaku Gothic Pro W3" panose="020B0300000000000000" pitchFamily="34" charset="-128"/>
+                <a:ea typeface="Hiragino Kaku Gothic Pro W3" panose="020B0300000000000000" pitchFamily="34" charset="-128"/>
+              </a:rPr>
+            </a:br>
+            <a:r>
+              <a:rPr kumimoji="1" lang="ja-JP" altLang="en-US" dirty="0">
+                <a:latin typeface="Hiragino Kaku Gothic Pro W3" panose="020B0300000000000000" pitchFamily="34" charset="-128"/>
+                <a:ea typeface="Hiragino Kaku Gothic Pro W3" panose="020B0300000000000000" pitchFamily="34" charset="-128"/>
+              </a:rPr>
+              <a:t>特定</a:t>
+            </a:r>
+          </a:p>
+        </p:txBody>
+      </p:sp>
+      <p:sp>
+        <p:nvSpPr>
+          <p:cNvPr id="22" name="角丸四角形 21">
+            <a:extLst>
+              <a:ext uri="{FF2B5EF4-FFF2-40B4-BE49-F238E27FC236}">
+                <a16:creationId xmlns:a16="http://schemas.microsoft.com/office/drawing/2014/main" id="{442340F4-9E8C-CA49-8E77-30322036C0B9}"/>
+              </a:ext>
+            </a:extLst>
+          </p:cNvPr>
+          <p:cNvSpPr/>
+          <p:nvPr/>
+        </p:nvSpPr>
+        <p:spPr>
+          <a:xfrm>
+            <a:off x="1409196" y="3873187"/>
+            <a:ext cx="1252493" cy="743919"/>
+          </a:xfrm>
+          <a:prstGeom prst="roundRect">
+            <a:avLst/>
+          </a:prstGeom>
+        </p:spPr>
+        <p:style>
+          <a:lnRef idx="2">
+            <a:schemeClr val="accent1">
+              <a:shade val="50000"/>
+            </a:schemeClr>
+          </a:lnRef>
+          <a:fillRef idx="1">
+            <a:schemeClr val="accent1"/>
+          </a:fillRef>
+          <a:effectRef idx="0">
+            <a:schemeClr val="accent1"/>
+          </a:effectRef>
+          <a:fontRef idx="minor">
+            <a:schemeClr val="lt1"/>
+          </a:fontRef>
+        </p:style>
+        <p:txBody>
+          <a:bodyPr rtlCol="0" anchor="ctr"/>
+          <a:lstStyle/>
+          <a:p>
+            <a:pPr algn="ctr"/>
+            <a:r>
+              <a:rPr lang="ja-JP" altLang="en-US" dirty="0">
+                <a:latin typeface="Hiragino Kaku Gothic Pro W3" panose="020B0300000000000000" pitchFamily="34" charset="-128"/>
+                <a:ea typeface="Hiragino Kaku Gothic Pro W3" panose="020B0300000000000000" pitchFamily="34" charset="-128"/>
+              </a:rPr>
+              <a:t>回転</a:t>
+            </a:r>
+            <a:br>
+              <a:rPr lang="en-US" altLang="ja-JP" dirty="0">
+                <a:latin typeface="Hiragino Kaku Gothic Pro W3" panose="020B0300000000000000" pitchFamily="34" charset="-128"/>
+                <a:ea typeface="Hiragino Kaku Gothic Pro W3" panose="020B0300000000000000" pitchFamily="34" charset="-128"/>
+              </a:rPr>
+            </a:br>
+            <a:r>
+              <a:rPr lang="ja-JP" altLang="en-US" dirty="0">
+                <a:latin typeface="Hiragino Kaku Gothic Pro W3" panose="020B0300000000000000" pitchFamily="34" charset="-128"/>
+                <a:ea typeface="Hiragino Kaku Gothic Pro W3" panose="020B0300000000000000" pitchFamily="34" charset="-128"/>
+              </a:rPr>
+              <a:t>拡大縮小</a:t>
+            </a:r>
+            <a:endParaRPr kumimoji="1" lang="ja-JP" altLang="en-US" dirty="0">
+              <a:latin typeface="Hiragino Kaku Gothic Pro W3" panose="020B0300000000000000" pitchFamily="34" charset="-128"/>
+              <a:ea typeface="Hiragino Kaku Gothic Pro W3" panose="020B0300000000000000" pitchFamily="34" charset="-128"/>
+            </a:endParaRPr>
+          </a:p>
+        </p:txBody>
+      </p:sp>
+      <p:cxnSp>
+        <p:nvCxnSpPr>
+          <p:cNvPr id="23" name="直線矢印コネクタ 22">
+            <a:extLst>
+              <a:ext uri="{FF2B5EF4-FFF2-40B4-BE49-F238E27FC236}">
+                <a16:creationId xmlns:a16="http://schemas.microsoft.com/office/drawing/2014/main" id="{8C96BEB9-9D2D-1D49-AD3F-099A0A76365B}"/>
+              </a:ext>
+            </a:extLst>
+          </p:cNvPr>
+          <p:cNvCxnSpPr>
+            <a:cxnSpLocks/>
+            <a:stCxn id="6" idx="2"/>
+            <a:endCxn id="22" idx="0"/>
+          </p:cNvCxnSpPr>
+          <p:nvPr/>
+        </p:nvCxnSpPr>
+        <p:spPr>
+          <a:xfrm>
+            <a:off x="2035443" y="2041615"/>
+            <a:ext cx="0" cy="1831572"/>
+          </a:xfrm>
+          <a:prstGeom prst="straightConnector1">
+            <a:avLst/>
+          </a:prstGeom>
+          <a:ln w="76200">
+            <a:tailEnd type="triangle"/>
+          </a:ln>
+        </p:spPr>
+        <p:style>
+          <a:lnRef idx="3">
+            <a:schemeClr val="dk1"/>
+          </a:lnRef>
+          <a:fillRef idx="0">
+            <a:schemeClr val="dk1"/>
+          </a:fillRef>
+          <a:effectRef idx="2">
+            <a:schemeClr val="dk1"/>
+          </a:effectRef>
+          <a:fontRef idx="minor">
+            <a:schemeClr val="tx1"/>
+          </a:fontRef>
+        </p:style>
+      </p:cxnSp>
+      <p:cxnSp>
+        <p:nvCxnSpPr>
+          <p:cNvPr id="26" name="直線矢印コネクタ 25">
+            <a:extLst>
+              <a:ext uri="{FF2B5EF4-FFF2-40B4-BE49-F238E27FC236}">
+                <a16:creationId xmlns:a16="http://schemas.microsoft.com/office/drawing/2014/main" id="{30815D4E-0FB8-A84E-A5F0-7C0C15EFB3F1}"/>
+              </a:ext>
+            </a:extLst>
+          </p:cNvPr>
+          <p:cNvCxnSpPr>
+            <a:cxnSpLocks/>
+            <a:stCxn id="22" idx="3"/>
+            <a:endCxn id="9" idx="1"/>
+          </p:cNvCxnSpPr>
+          <p:nvPr/>
+        </p:nvCxnSpPr>
+        <p:spPr>
+          <a:xfrm flipV="1">
+            <a:off x="2661689" y="4231037"/>
+            <a:ext cx="729857" cy="14110"/>
+          </a:xfrm>
+          <a:prstGeom prst="straightConnector1">
+            <a:avLst/>
+          </a:prstGeom>
+          <a:ln w="76200">
+            <a:tailEnd type="triangle"/>
+          </a:ln>
+        </p:spPr>
+        <p:style>
+          <a:lnRef idx="3">
+            <a:schemeClr val="dk1"/>
+          </a:lnRef>
+          <a:fillRef idx="0">
+            <a:schemeClr val="dk1"/>
+          </a:fillRef>
+          <a:effectRef idx="2">
+            <a:schemeClr val="dk1"/>
+          </a:effectRef>
+          <a:fontRef idx="minor">
+            <a:schemeClr val="tx1"/>
+          </a:fontRef>
+        </p:style>
+      </p:cxnSp>
+      <p:cxnSp>
+        <p:nvCxnSpPr>
+          <p:cNvPr id="30" name="カギ線コネクタ 29">
+            <a:extLst>
+              <a:ext uri="{FF2B5EF4-FFF2-40B4-BE49-F238E27FC236}">
+                <a16:creationId xmlns:a16="http://schemas.microsoft.com/office/drawing/2014/main" id="{14BCB193-4B83-394F-9D52-3F7C42213F65}"/>
+              </a:ext>
+            </a:extLst>
+          </p:cNvPr>
+          <p:cNvCxnSpPr>
+            <a:stCxn id="4" idx="2"/>
+            <a:endCxn id="9" idx="3"/>
+          </p:cNvCxnSpPr>
+          <p:nvPr/>
+        </p:nvCxnSpPr>
+        <p:spPr>
+          <a:xfrm rot="5400000">
+            <a:off x="5385662" y="2882685"/>
+            <a:ext cx="1046136" cy="1650568"/>
+          </a:xfrm>
+          <a:prstGeom prst="bentConnector2">
+            <a:avLst/>
+          </a:prstGeom>
+          <a:ln w="76200">
+            <a:tailEnd type="triangle"/>
+          </a:ln>
+        </p:spPr>
+        <p:style>
+          <a:lnRef idx="3">
+            <a:schemeClr val="dk1"/>
+          </a:lnRef>
+          <a:fillRef idx="0">
+            <a:schemeClr val="dk1"/>
+          </a:fillRef>
+          <a:effectRef idx="2">
+            <a:schemeClr val="dk1"/>
+          </a:effectRef>
+          <a:fontRef idx="minor">
+            <a:schemeClr val="tx1"/>
+          </a:fontRef>
+        </p:style>
+      </p:cxnSp>
+      <p:cxnSp>
+        <p:nvCxnSpPr>
+          <p:cNvPr id="31" name="直線矢印コネクタ 30">
+            <a:extLst>
+              <a:ext uri="{FF2B5EF4-FFF2-40B4-BE49-F238E27FC236}">
+                <a16:creationId xmlns:a16="http://schemas.microsoft.com/office/drawing/2014/main" id="{C2DF0A4E-3A7B-4D42-A19D-F7CDCDC90BDF}"/>
+              </a:ext>
+            </a:extLst>
+          </p:cNvPr>
+          <p:cNvCxnSpPr>
+            <a:cxnSpLocks/>
+            <a:stCxn id="9" idx="2"/>
+          </p:cNvCxnSpPr>
+          <p:nvPr/>
+        </p:nvCxnSpPr>
+        <p:spPr>
+          <a:xfrm flipH="1">
+            <a:off x="4237495" y="4602996"/>
+            <a:ext cx="1" cy="377795"/>
+          </a:xfrm>
+          <a:prstGeom prst="straightConnector1">
+            <a:avLst/>
+          </a:prstGeom>
+          <a:ln w="76200">
+            <a:tailEnd type="triangle"/>
+          </a:ln>
+        </p:spPr>
+        <p:style>
+          <a:lnRef idx="3">
+            <a:schemeClr val="dk1"/>
+          </a:lnRef>
+          <a:fillRef idx="0">
+            <a:schemeClr val="dk1"/>
+          </a:fillRef>
+          <a:effectRef idx="2">
+            <a:schemeClr val="dk1"/>
+          </a:effectRef>
+          <a:fontRef idx="minor">
+            <a:schemeClr val="tx1"/>
+          </a:fontRef>
+        </p:style>
+      </p:cxnSp>
+      <p:sp>
+        <p:nvSpPr>
+          <p:cNvPr id="34" name="テキスト ボックス 33">
+            <a:extLst>
+              <a:ext uri="{FF2B5EF4-FFF2-40B4-BE49-F238E27FC236}">
+                <a16:creationId xmlns:a16="http://schemas.microsoft.com/office/drawing/2014/main" id="{F08BDEED-0707-2D48-B61D-BDB94EB74C96}"/>
+              </a:ext>
+            </a:extLst>
+          </p:cNvPr>
+          <p:cNvSpPr txBox="1"/>
+          <p:nvPr/>
+        </p:nvSpPr>
+        <p:spPr>
+          <a:xfrm>
+            <a:off x="3457565" y="4980791"/>
+            <a:ext cx="1559859" cy="646331"/>
+          </a:xfrm>
+          <a:prstGeom prst="rect">
+            <a:avLst/>
+          </a:prstGeom>
+          <a:noFill/>
+        </p:spPr>
+        <p:txBody>
+          <a:bodyPr wrap="square" rtlCol="0">
+            <a:spAutoFit/>
+          </a:bodyPr>
+          <a:lstStyle/>
+          <a:p>
+            <a:pPr algn="ctr"/>
+            <a:r>
+              <a:rPr lang="ja-JP" altLang="en-US" dirty="0">
+                <a:latin typeface="Hiragino Kaku Gothic Pro W3" panose="020B0300000000000000" pitchFamily="34" charset="-128"/>
+                <a:ea typeface="Hiragino Kaku Gothic Pro W3" panose="020B0300000000000000" pitchFamily="34" charset="-128"/>
+              </a:rPr>
+              <a:t>検出結果</a:t>
+            </a:r>
+            <a:r>
+              <a:rPr kumimoji="1" lang="ja-JP" altLang="en-US" dirty="0">
+                <a:latin typeface="Hiragino Kaku Gothic Pro W3" panose="020B0300000000000000" pitchFamily="34" charset="-128"/>
+                <a:ea typeface="Hiragino Kaku Gothic Pro W3" panose="020B0300000000000000" pitchFamily="34" charset="-128"/>
+              </a:rPr>
+              <a:t>を</a:t>
+            </a:r>
+            <a:br>
+              <a:rPr kumimoji="1" lang="en-US" altLang="ja-JP" dirty="0">
+                <a:latin typeface="Hiragino Kaku Gothic Pro W3" panose="020B0300000000000000" pitchFamily="34" charset="-128"/>
+                <a:ea typeface="Hiragino Kaku Gothic Pro W3" panose="020B0300000000000000" pitchFamily="34" charset="-128"/>
+              </a:rPr>
+            </a:br>
+            <a:r>
+              <a:rPr lang="ja-JP" altLang="en-US" dirty="0">
+                <a:latin typeface="Hiragino Kaku Gothic Pro W3" panose="020B0300000000000000" pitchFamily="34" charset="-128"/>
+                <a:ea typeface="Hiragino Kaku Gothic Pro W3" panose="020B0300000000000000" pitchFamily="34" charset="-128"/>
+              </a:rPr>
+              <a:t>出力</a:t>
+            </a:r>
+            <a:endParaRPr kumimoji="1" lang="ja-JP" altLang="en-US" dirty="0">
+              <a:latin typeface="Hiragino Kaku Gothic Pro W3" panose="020B0300000000000000" pitchFamily="34" charset="-128"/>
+              <a:ea typeface="Hiragino Kaku Gothic Pro W3" panose="020B0300000000000000" pitchFamily="34" charset="-128"/>
+            </a:endParaRPr>
+          </a:p>
+        </p:txBody>
+      </p:sp>
+    </p:spTree>
+    <p:extLst>
+      <p:ext uri="{BB962C8B-B14F-4D97-AF65-F5344CB8AC3E}">
+        <p14:creationId xmlns:p14="http://schemas.microsoft.com/office/powerpoint/2010/main" val="2052598525"/>
+      </p:ext>
+    </p:extLst>
+  </p:cSld>
+  <p:clrMapOvr>
+    <a:masterClrMapping/>
+  </p:clrMapOvr>
+</p:sld>
+</file>
+
+<file path=ppt/slides/slide9.xml><?xml version="1.0" encoding="utf-8"?>
+<p:sld xmlns:a="http://schemas.openxmlformats.org/drawingml/2006/main" xmlns:r="http://schemas.openxmlformats.org/officeDocument/2006/relationships" xmlns:p="http://schemas.openxmlformats.org/presentationml/2006/main">
+  <p:cSld>
+    <p:spTree>
+      <p:nvGrpSpPr>
+        <p:cNvPr id="1" name=""/>
+        <p:cNvGrpSpPr/>
+        <p:nvPr/>
+      </p:nvGrpSpPr>
+      <p:grpSpPr>
+        <a:xfrm>
+          <a:off x="0" y="0"/>
+          <a:ext cx="0" cy="0"/>
+          <a:chOff x="0" y="0"/>
+          <a:chExt cx="0" cy="0"/>
+        </a:xfrm>
+      </p:grpSpPr>
+      <p:pic>
+        <p:nvPicPr>
+          <p:cNvPr id="4" name="図 3">
+            <a:extLst>
+              <a:ext uri="{FF2B5EF4-FFF2-40B4-BE49-F238E27FC236}">
+                <a16:creationId xmlns:a16="http://schemas.microsoft.com/office/drawing/2014/main" id="{3177E779-3269-FF42-A6F9-98575395D12E}"/>
+              </a:ext>
+            </a:extLst>
+          </p:cNvPr>
+          <p:cNvPicPr>
+            <a:picLocks noChangeAspect="1"/>
+          </p:cNvPicPr>
+          <p:nvPr/>
+        </p:nvPicPr>
+        <p:blipFill>
+          <a:blip r:embed="rId2"/>
+          <a:stretch>
+            <a:fillRect/>
+          </a:stretch>
+        </p:blipFill>
+        <p:spPr>
+          <a:xfrm>
+            <a:off x="5322495" y="2391783"/>
+            <a:ext cx="2565400" cy="2590800"/>
+          </a:xfrm>
+          <a:prstGeom prst="rect">
+            <a:avLst/>
+          </a:prstGeom>
+        </p:spPr>
+      </p:pic>
+      <mc:AlternateContent xmlns:mc="http://schemas.openxmlformats.org/markup-compatibility/2006">
+        <mc:Choice xmlns:a14="http://schemas.microsoft.com/office/drawing/2010/main" Requires="a14">
+          <p:sp>
+            <p:nvSpPr>
+              <p:cNvPr id="5" name="テキスト ボックス 4">
+                <a:extLst>
+                  <a:ext uri="{FF2B5EF4-FFF2-40B4-BE49-F238E27FC236}">
+                    <a16:creationId xmlns:a16="http://schemas.microsoft.com/office/drawing/2014/main" id="{90AB5FE0-7661-AE48-967B-F1202D0C0536}"/>
+                  </a:ext>
+                </a:extLst>
+              </p:cNvPr>
+              <p:cNvSpPr txBox="1"/>
+              <p:nvPr/>
+            </p:nvSpPr>
+            <p:spPr>
+              <a:xfrm>
+                <a:off x="4147073" y="3340261"/>
+                <a:ext cx="984244" cy="693844"/>
+              </a:xfrm>
+              <a:prstGeom prst="rect">
+                <a:avLst/>
+              </a:prstGeom>
+              <a:noFill/>
+            </p:spPr>
+            <p:txBody>
+              <a:bodyPr wrap="none" lIns="0" tIns="0" rIns="0" bIns="0" rtlCol="0">
+                <a:spAutoFit/>
+              </a:bodyPr>
+              <a:lstStyle/>
+              <a:p>
+                <a14:m>
+                  <m:oMathPara xmlns:m="http://schemas.openxmlformats.org/officeDocument/2006/math">
+                    <m:oMathParaPr>
+                      <m:jc m:val="centerGroup"/>
+                    </m:oMathParaPr>
+                    <m:oMath xmlns:m="http://schemas.openxmlformats.org/officeDocument/2006/math">
+                      <m:f>
+                        <m:fPr>
+                          <m:ctrlPr>
+                            <a:rPr kumimoji="1" lang="en-US" altLang="ja-JP" sz="2400" i="1" smtClean="0">
+                              <a:latin typeface="Cambria Math" panose="02040503050406030204" pitchFamily="18" charset="0"/>
+                            </a:rPr>
+                          </m:ctrlPr>
+                        </m:fPr>
+                        <m:num>
+                          <m:r>
+                            <a:rPr kumimoji="1" lang="en-US" altLang="ja-JP" sz="2400" b="0" i="1" smtClean="0">
+                              <a:latin typeface="Cambria Math" panose="02040503050406030204" pitchFamily="18" charset="0"/>
+                            </a:rPr>
+                            <m:t>1</m:t>
+                          </m:r>
+                        </m:num>
+                        <m:den>
+                          <m:r>
+                            <a:rPr kumimoji="1" lang="en-US" altLang="ja-JP" sz="2400" b="0" i="1" smtClean="0">
+                              <a:latin typeface="Cambria Math" panose="02040503050406030204" pitchFamily="18" charset="0"/>
+                            </a:rPr>
+                            <m:t>256</m:t>
+                          </m:r>
+                        </m:den>
+                      </m:f>
+                      <m:r>
+                        <a:rPr kumimoji="1" lang="en-US" altLang="ja-JP" sz="2400" b="0" i="1" smtClean="0">
+                          <a:latin typeface="Cambria Math" panose="02040503050406030204" pitchFamily="18" charset="0"/>
+                        </a:rPr>
+                        <m:t>  </m:t>
+                      </m:r>
+                      <m:r>
+                        <a:rPr kumimoji="1" lang="en-US" altLang="ja-JP" sz="2400" i="1" smtClean="0">
+                          <a:latin typeface="Cambria Math" panose="02040503050406030204" pitchFamily="18" charset="0"/>
+                          <a:ea typeface="Cambria Math" panose="02040503050406030204" pitchFamily="18" charset="0"/>
+                        </a:rPr>
+                        <m:t>×</m:t>
+                      </m:r>
+                    </m:oMath>
+                  </m:oMathPara>
+                </a14:m>
+                <a:endParaRPr kumimoji="1" lang="ja-JP" altLang="en-US" sz="2400" dirty="0"/>
+              </a:p>
+            </p:txBody>
+          </p:sp>
+        </mc:Choice>
+        <mc:Fallback>
+          <p:sp>
+            <p:nvSpPr>
+              <p:cNvPr id="5" name="テキスト ボックス 4">
+                <a:extLst>
+                  <a:ext uri="{FF2B5EF4-FFF2-40B4-BE49-F238E27FC236}">
+                    <a16:creationId xmlns:a16="http://schemas.microsoft.com/office/drawing/2014/main" id="{90AB5FE0-7661-AE48-967B-F1202D0C0536}"/>
+                  </a:ext>
+                </a:extLst>
+              </p:cNvPr>
+              <p:cNvSpPr txBox="1">
+                <a:spLocks noRot="1" noChangeAspect="1" noMove="1" noResize="1" noEditPoints="1" noAdjustHandles="1" noChangeArrowheads="1" noChangeShapeType="1" noTextEdit="1"/>
+              </p:cNvSpPr>
+              <p:nvPr/>
+            </p:nvSpPr>
+            <p:spPr>
+              <a:xfrm>
+                <a:off x="4147073" y="3340261"/>
+                <a:ext cx="984244" cy="693844"/>
+              </a:xfrm>
+              <a:prstGeom prst="rect">
+                <a:avLst/>
+              </a:prstGeom>
+              <a:blipFill>
+                <a:blip r:embed="rId3"/>
+                <a:stretch>
+                  <a:fillRect l="-7692" r="-3846" b="-12500"/>
+                </a:stretch>
+              </a:blipFill>
+            </p:spPr>
+            <p:txBody>
+              <a:bodyPr/>
+              <a:lstStyle/>
+              <a:p>
+                <a:r>
+                  <a:rPr lang="ja-JP" altLang="en-US">
+                    <a:noFill/>
+                  </a:rPr>
+                  <a:t> </a:t>
+                </a:r>
+              </a:p>
+            </p:txBody>
+          </p:sp>
+        </mc:Fallback>
+      </mc:AlternateContent>
+    </p:spTree>
+    <p:extLst>
+      <p:ext uri="{BB962C8B-B14F-4D97-AF65-F5344CB8AC3E}">
+        <p14:creationId xmlns:p14="http://schemas.microsoft.com/office/powerpoint/2010/main" val="99400860"/>
+      </p:ext>
+    </p:extLst>
+  </p:cSld>
+  <p:clrMapOvr>
+    <a:masterClrMapping/>
+  </p:clrMapOvr>
 </p:sld>
 </file>
 
